--- a/Nori_tool_address/Nori_tool_flowchart/Addr_속성정보 변환.pptx
+++ b/Nori_tool_address/Nori_tool_flowchart/Addr_속성정보 변환.pptx
@@ -8,7 +8,6 @@
     <p:sldId id="256" r:id="rId2"/>
     <p:sldId id="257" r:id="rId3"/>
     <p:sldId id="258" r:id="rId4"/>
-    <p:sldId id="259" r:id="rId5"/>
   </p:sldIdLst>
   <p:sldSz cx="12192000" cy="6858000"/>
   <p:notesSz cx="6858000" cy="9144000"/>
@@ -246,7 +245,7 @@
           <a:p>
             <a:fld id="{524A07DF-A980-4D0C-8B3C-B10EF35DDA8C}" type="datetimeFigureOut">
               <a:rPr lang="ko-KR" altLang="en-US" smtClean="0"/>
-              <a:t>2023-04-02</a:t>
+              <a:t>2023-05-03</a:t>
             </a:fld>
             <a:endParaRPr lang="ko-KR" altLang="en-US"/>
           </a:p>
@@ -416,7 +415,7 @@
           <a:p>
             <a:fld id="{524A07DF-A980-4D0C-8B3C-B10EF35DDA8C}" type="datetimeFigureOut">
               <a:rPr lang="ko-KR" altLang="en-US" smtClean="0"/>
-              <a:t>2023-04-02</a:t>
+              <a:t>2023-05-03</a:t>
             </a:fld>
             <a:endParaRPr lang="ko-KR" altLang="en-US"/>
           </a:p>
@@ -596,7 +595,7 @@
           <a:p>
             <a:fld id="{524A07DF-A980-4D0C-8B3C-B10EF35DDA8C}" type="datetimeFigureOut">
               <a:rPr lang="ko-KR" altLang="en-US" smtClean="0"/>
-              <a:t>2023-04-02</a:t>
+              <a:t>2023-05-03</a:t>
             </a:fld>
             <a:endParaRPr lang="ko-KR" altLang="en-US"/>
           </a:p>
@@ -766,7 +765,7 @@
           <a:p>
             <a:fld id="{524A07DF-A980-4D0C-8B3C-B10EF35DDA8C}" type="datetimeFigureOut">
               <a:rPr lang="ko-KR" altLang="en-US" smtClean="0"/>
-              <a:t>2023-04-02</a:t>
+              <a:t>2023-05-03</a:t>
             </a:fld>
             <a:endParaRPr lang="ko-KR" altLang="en-US"/>
           </a:p>
@@ -1012,7 +1011,7 @@
           <a:p>
             <a:fld id="{524A07DF-A980-4D0C-8B3C-B10EF35DDA8C}" type="datetimeFigureOut">
               <a:rPr lang="ko-KR" altLang="en-US" smtClean="0"/>
-              <a:t>2023-04-02</a:t>
+              <a:t>2023-05-03</a:t>
             </a:fld>
             <a:endParaRPr lang="ko-KR" altLang="en-US"/>
           </a:p>
@@ -1244,7 +1243,7 @@
           <a:p>
             <a:fld id="{524A07DF-A980-4D0C-8B3C-B10EF35DDA8C}" type="datetimeFigureOut">
               <a:rPr lang="ko-KR" altLang="en-US" smtClean="0"/>
-              <a:t>2023-04-02</a:t>
+              <a:t>2023-05-03</a:t>
             </a:fld>
             <a:endParaRPr lang="ko-KR" altLang="en-US"/>
           </a:p>
@@ -1611,7 +1610,7 @@
           <a:p>
             <a:fld id="{524A07DF-A980-4D0C-8B3C-B10EF35DDA8C}" type="datetimeFigureOut">
               <a:rPr lang="ko-KR" altLang="en-US" smtClean="0"/>
-              <a:t>2023-04-02</a:t>
+              <a:t>2023-05-03</a:t>
             </a:fld>
             <a:endParaRPr lang="ko-KR" altLang="en-US"/>
           </a:p>
@@ -1729,7 +1728,7 @@
           <a:p>
             <a:fld id="{524A07DF-A980-4D0C-8B3C-B10EF35DDA8C}" type="datetimeFigureOut">
               <a:rPr lang="ko-KR" altLang="en-US" smtClean="0"/>
-              <a:t>2023-04-02</a:t>
+              <a:t>2023-05-03</a:t>
             </a:fld>
             <a:endParaRPr lang="ko-KR" altLang="en-US"/>
           </a:p>
@@ -1824,7 +1823,7 @@
           <a:p>
             <a:fld id="{524A07DF-A980-4D0C-8B3C-B10EF35DDA8C}" type="datetimeFigureOut">
               <a:rPr lang="ko-KR" altLang="en-US" smtClean="0"/>
-              <a:t>2023-04-02</a:t>
+              <a:t>2023-05-03</a:t>
             </a:fld>
             <a:endParaRPr lang="ko-KR" altLang="en-US"/>
           </a:p>
@@ -2101,7 +2100,7 @@
           <a:p>
             <a:fld id="{524A07DF-A980-4D0C-8B3C-B10EF35DDA8C}" type="datetimeFigureOut">
               <a:rPr lang="ko-KR" altLang="en-US" smtClean="0"/>
-              <a:t>2023-04-02</a:t>
+              <a:t>2023-05-03</a:t>
             </a:fld>
             <a:endParaRPr lang="ko-KR" altLang="en-US"/>
           </a:p>
@@ -2354,7 +2353,7 @@
           <a:p>
             <a:fld id="{524A07DF-A980-4D0C-8B3C-B10EF35DDA8C}" type="datetimeFigureOut">
               <a:rPr lang="ko-KR" altLang="en-US" smtClean="0"/>
-              <a:t>2023-04-02</a:t>
+              <a:t>2023-05-03</a:t>
             </a:fld>
             <a:endParaRPr lang="ko-KR" altLang="en-US"/>
           </a:p>
@@ -2567,7 +2566,7 @@
           <a:p>
             <a:fld id="{524A07DF-A980-4D0C-8B3C-B10EF35DDA8C}" type="datetimeFigureOut">
               <a:rPr lang="ko-KR" altLang="en-US" smtClean="0"/>
-              <a:t>2023-04-02</a:t>
+              <a:t>2023-05-03</a:t>
             </a:fld>
             <a:endParaRPr lang="ko-KR" altLang="en-US"/>
           </a:p>
@@ -3052,7 +3051,7 @@
         <p:spPr>
           <a:xfrm>
             <a:off x="382386" y="448887"/>
-            <a:ext cx="6617774" cy="1323439"/>
+            <a:ext cx="5530938" cy="1877437"/>
           </a:xfrm>
           <a:prstGeom prst="rect">
             <a:avLst/>
@@ -3076,6 +3075,9 @@
             <a:endParaRPr lang="en-US" altLang="ko-KR" sz="4400" dirty="0" smtClean="0"/>
           </a:p>
           <a:p>
+            <a:endParaRPr lang="en-US" altLang="ko-KR" dirty="0" smtClean="0"/>
+          </a:p>
+          <a:p>
             <a:r>
               <a:rPr lang="en-US" altLang="ko-KR" dirty="0" smtClean="0"/>
               <a:t>1.0 </a:t>
@@ -3090,11 +3092,23 @@
             </a:r>
             <a:r>
               <a:rPr lang="ko-KR" altLang="en-US" dirty="0" smtClean="0"/>
-              <a:t>파일과 담당자가 제공해 준 </a:t>
+              <a:t>파일과 </a:t>
+            </a:r>
+            <a:r>
+              <a:rPr lang="ko-KR" altLang="en-US" dirty="0" err="1" smtClean="0"/>
+              <a:t>기준정보</a:t>
+            </a:r>
+            <a:r>
+              <a:rPr lang="ko-KR" altLang="en-US" dirty="0" smtClean="0"/>
+              <a:t> </a:t>
             </a:r>
             <a:r>
               <a:rPr lang="en-US" altLang="ko-KR" dirty="0" smtClean="0"/>
-              <a:t>.txt </a:t>
+              <a:t>.</a:t>
+            </a:r>
+            <a:r>
+              <a:rPr lang="en-US" altLang="ko-KR" dirty="0" smtClean="0"/>
+              <a:t>txt </a:t>
             </a:r>
             <a:r>
               <a:rPr lang="ko-KR" altLang="en-US" dirty="0" smtClean="0"/>
@@ -3104,32 +3118,12 @@
           </a:p>
           <a:p>
             <a:r>
-              <a:rPr lang="en-US" altLang="ko-KR" dirty="0" err="1" smtClean="0"/>
-              <a:t>plc_area</a:t>
-            </a:r>
-            <a:r>
               <a:rPr lang="en-US" altLang="ko-KR" dirty="0" smtClean="0"/>
-              <a:t>/ </a:t>
-            </a:r>
-            <a:r>
-              <a:rPr lang="en-US" altLang="ko-KR" dirty="0" err="1" smtClean="0"/>
-              <a:t>Full_address</a:t>
+              <a:t>PLC_AREA</a:t>
             </a:r>
             <a:r>
               <a:rPr lang="en-US" altLang="ko-KR" dirty="0" smtClean="0"/>
-              <a:t>/ </a:t>
-            </a:r>
-            <a:r>
-              <a:rPr lang="en-US" altLang="ko-KR" dirty="0" err="1" smtClean="0"/>
-              <a:t>plc_word_addr</a:t>
-            </a:r>
-            <a:r>
-              <a:rPr lang="en-US" altLang="ko-KR" dirty="0" smtClean="0"/>
-              <a:t>/ </a:t>
-            </a:r>
-            <a:r>
-              <a:rPr lang="en-US" altLang="ko-KR" dirty="0" err="1" smtClean="0"/>
-              <a:t>plc_bit_addr</a:t>
+              <a:t>/ FULL_ADDRESS</a:t>
             </a:r>
             <a:r>
               <a:rPr lang="en-US" altLang="ko-KR" dirty="0" smtClean="0"/>
@@ -3137,11 +3131,34 @@
             </a:r>
             <a:r>
               <a:rPr lang="ko-KR" altLang="en-US" dirty="0" smtClean="0"/>
-              <a:t>을 </a:t>
-            </a:r>
+              <a:t>을 생성</a:t>
+            </a:r>
+            <a:endParaRPr lang="en-US" altLang="ko-KR" dirty="0" smtClean="0"/>
+          </a:p>
+          <a:p>
             <a:r>
               <a:rPr lang="ko-KR" altLang="en-US" dirty="0" smtClean="0"/>
-              <a:t>생성</a:t>
+              <a:t>생성된 </a:t>
+            </a:r>
+            <a:r>
+              <a:rPr lang="en-US" altLang="ko-KR" dirty="0" smtClean="0"/>
+              <a:t>Data </a:t>
+            </a:r>
+            <a:r>
+              <a:rPr lang="ko-KR" altLang="en-US" dirty="0" smtClean="0"/>
+              <a:t>를 </a:t>
+            </a:r>
+            <a:r>
+              <a:rPr lang="en-US" altLang="ko-KR" dirty="0" smtClean="0"/>
+              <a:t>DB</a:t>
+            </a:r>
+            <a:r>
+              <a:rPr lang="ko-KR" altLang="en-US" dirty="0" smtClean="0"/>
+              <a:t>에 </a:t>
+            </a:r>
+            <a:r>
+              <a:rPr lang="en-US" altLang="ko-KR" dirty="0" smtClean="0"/>
+              <a:t>Insert</a:t>
             </a:r>
             <a:endParaRPr lang="en-US" altLang="ko-KR" dirty="0" smtClean="0"/>
           </a:p>
@@ -3186,14 +3203,14 @@
       </p:grpSpPr>
       <p:sp>
         <p:nvSpPr>
-          <p:cNvPr id="7" name="TextBox 6"/>
+          <p:cNvPr id="3" name="TextBox 2"/>
           <p:cNvSpPr txBox="1"/>
           <p:nvPr/>
         </p:nvSpPr>
         <p:spPr>
           <a:xfrm>
-            <a:off x="177598" y="1820487"/>
-            <a:ext cx="3307316" cy="615553"/>
+            <a:off x="382386" y="448887"/>
+            <a:ext cx="1420582" cy="769441"/>
           </a:xfrm>
           <a:prstGeom prst="rect">
             <a:avLst/>
@@ -3207,40 +3224,14 @@
           <a:lstStyle/>
           <a:p>
             <a:r>
-              <a:rPr lang="en-US" altLang="ko-KR" dirty="0" smtClean="0"/>
-              <a:t>PLC_AREA</a:t>
-            </a:r>
-          </a:p>
-          <a:p>
-            <a:r>
-              <a:rPr lang="en-US" altLang="ko-KR" sz="1600" dirty="0" smtClean="0"/>
-              <a:t>[</a:t>
-            </a:r>
-            <a:r>
-              <a:rPr lang="ko-KR" altLang="en-US" sz="1600" dirty="0" err="1" smtClean="0"/>
-              <a:t>레지스트</a:t>
-            </a:r>
-            <a:r>
-              <a:rPr lang="ko-KR" altLang="en-US" sz="1600" dirty="0" smtClean="0"/>
-              <a:t> 영역</a:t>
-            </a:r>
-            <a:r>
-              <a:rPr lang="en-US" altLang="ko-KR" sz="1600" dirty="0" smtClean="0"/>
-              <a:t>]</a:t>
-            </a:r>
-            <a:r>
-              <a:rPr lang="ko-KR" altLang="en-US" sz="1600" dirty="0" smtClean="0"/>
-              <a:t>의 왼쪽부터 </a:t>
-            </a:r>
-            <a:r>
-              <a:rPr lang="en-US" altLang="ko-KR" sz="1600" dirty="0" smtClean="0"/>
-              <a:t>3</a:t>
-            </a:r>
-            <a:r>
-              <a:rPr lang="ko-KR" altLang="en-US" sz="1600" dirty="0" smtClean="0"/>
-              <a:t>자리</a:t>
-            </a:r>
-            <a:endParaRPr lang="en-US" altLang="ko-KR" sz="1600" dirty="0" smtClean="0"/>
+              <a:rPr lang="en-US" altLang="ko-KR" sz="4400" dirty="0" err="1" smtClean="0"/>
+              <a:t>Ing</a:t>
+            </a:r>
+            <a:r>
+              <a:rPr lang="en-US" altLang="ko-KR" sz="4400" dirty="0" smtClean="0"/>
+              <a:t>…</a:t>
+            </a:r>
+            <a:endParaRPr lang="en-US" altLang="ko-KR" dirty="0" smtClean="0"/>
           </a:p>
         </p:txBody>
       </p:sp>
@@ -3248,293 +3239,6 @@
     <p:extLst>
       <p:ext uri="{BB962C8B-B14F-4D97-AF65-F5344CB8AC3E}">
         <p14:creationId xmlns:p14="http://schemas.microsoft.com/office/powerpoint/2010/main" val="3273350178"/>
-      </p:ext>
-    </p:extLst>
-  </p:cSld>
-  <p:clrMapOvr>
-    <a:masterClrMapping/>
-  </p:clrMapOvr>
-</p:sld>
-</file>
-
-<file path=ppt/slides/slide4.xml><?xml version="1.0" encoding="utf-8"?>
-<p:sld xmlns:a="http://schemas.openxmlformats.org/drawingml/2006/main" xmlns:r="http://schemas.openxmlformats.org/officeDocument/2006/relationships" xmlns:p="http://schemas.openxmlformats.org/presentationml/2006/main">
-  <p:cSld>
-    <p:spTree>
-      <p:nvGrpSpPr>
-        <p:cNvPr id="1" name=""/>
-        <p:cNvGrpSpPr/>
-        <p:nvPr/>
-      </p:nvGrpSpPr>
-      <p:grpSpPr>
-        <a:xfrm>
-          <a:off x="0" y="0"/>
-          <a:ext cx="0" cy="0"/>
-          <a:chOff x="0" y="0"/>
-          <a:chExt cx="0" cy="0"/>
-        </a:xfrm>
-      </p:grpSpPr>
-      <p:sp>
-        <p:nvSpPr>
-          <p:cNvPr id="7" name="TextBox 6"/>
-          <p:cNvSpPr txBox="1"/>
-          <p:nvPr/>
-        </p:nvSpPr>
-        <p:spPr>
-          <a:xfrm>
-            <a:off x="177598" y="1820487"/>
-            <a:ext cx="6832320" cy="2031325"/>
-          </a:xfrm>
-          <a:prstGeom prst="rect">
-            <a:avLst/>
-          </a:prstGeom>
-          <a:noFill/>
-        </p:spPr>
-        <p:txBody>
-          <a:bodyPr wrap="none" rtlCol="0">
-            <a:spAutoFit/>
-          </a:bodyPr>
-          <a:lstStyle/>
-          <a:p>
-            <a:r>
-              <a:rPr lang="en-US" altLang="ko-KR" dirty="0" smtClean="0"/>
-              <a:t>[</a:t>
-            </a:r>
-            <a:r>
-              <a:rPr lang="ko-KR" altLang="en-US" dirty="0" err="1" smtClean="0"/>
-              <a:t>레지스트</a:t>
-            </a:r>
-            <a:r>
-              <a:rPr lang="ko-KR" altLang="en-US" dirty="0" smtClean="0"/>
-              <a:t> 영역</a:t>
-            </a:r>
-            <a:r>
-              <a:rPr lang="en-US" altLang="ko-KR" dirty="0" smtClean="0"/>
-              <a:t>] </a:t>
-            </a:r>
-            <a:r>
-              <a:rPr lang="ko-KR" altLang="en-US" dirty="0" smtClean="0"/>
-              <a:t>의 오른쪽부터 </a:t>
-            </a:r>
-            <a:r>
-              <a:rPr lang="en-US" altLang="ko-KR" dirty="0" smtClean="0"/>
-              <a:t>5</a:t>
-            </a:r>
-            <a:r>
-              <a:rPr lang="ko-KR" altLang="en-US" dirty="0" smtClean="0"/>
-              <a:t>자리와 </a:t>
-            </a:r>
-            <a:r>
-              <a:rPr lang="en-US" altLang="ko-KR" dirty="0" smtClean="0"/>
-              <a:t>[</a:t>
-            </a:r>
-            <a:r>
-              <a:rPr lang="ko-KR" altLang="en-US" dirty="0" err="1" smtClean="0"/>
-              <a:t>레지스트</a:t>
-            </a:r>
-            <a:r>
-              <a:rPr lang="ko-KR" altLang="en-US" dirty="0" smtClean="0"/>
-              <a:t> 영역</a:t>
-            </a:r>
-            <a:r>
-              <a:rPr lang="en-US" altLang="ko-KR" dirty="0" smtClean="0"/>
-              <a:t>2</a:t>
-            </a:r>
-            <a:r>
-              <a:rPr lang="en-US" altLang="ko-KR" dirty="0" smtClean="0"/>
-              <a:t>]</a:t>
-            </a:r>
-            <a:r>
-              <a:rPr lang="ko-KR" altLang="en-US" dirty="0" smtClean="0"/>
-              <a:t>를 비교</a:t>
-            </a:r>
-            <a:endParaRPr lang="en-US" altLang="ko-KR" dirty="0" smtClean="0"/>
-          </a:p>
-          <a:p>
-            <a:r>
-              <a:rPr lang="en-US" altLang="ko-KR" dirty="0" smtClean="0"/>
-              <a:t>CASE </a:t>
-            </a:r>
-            <a:r>
-              <a:rPr lang="en-US" altLang="ko-KR" dirty="0" smtClean="0"/>
-              <a:t>1</a:t>
-            </a:r>
-          </a:p>
-          <a:p>
-            <a:r>
-              <a:rPr lang="en-US" altLang="ko-KR" dirty="0"/>
-              <a:t>	</a:t>
-            </a:r>
-            <a:r>
-              <a:rPr lang="en-US" altLang="ko-KR" dirty="0" smtClean="0"/>
-              <a:t>[</a:t>
-            </a:r>
-            <a:r>
-              <a:rPr lang="ko-KR" altLang="en-US" dirty="0" err="1" smtClean="0"/>
-              <a:t>레지스트</a:t>
-            </a:r>
-            <a:r>
-              <a:rPr lang="ko-KR" altLang="en-US" dirty="0" smtClean="0"/>
-              <a:t> 영역</a:t>
-            </a:r>
-            <a:r>
-              <a:rPr lang="en-US" altLang="ko-KR" dirty="0" smtClean="0"/>
-              <a:t>] </a:t>
-            </a:r>
-            <a:r>
-              <a:rPr lang="ko-KR" altLang="en-US" dirty="0" smtClean="0"/>
-              <a:t>이 </a:t>
-            </a:r>
-            <a:r>
-              <a:rPr lang="en-US" altLang="ko-KR" dirty="0" smtClean="0"/>
-              <a:t>[</a:t>
-            </a:r>
-            <a:r>
-              <a:rPr lang="ko-KR" altLang="en-US" dirty="0" err="1" smtClean="0"/>
-              <a:t>레지스트</a:t>
-            </a:r>
-            <a:r>
-              <a:rPr lang="ko-KR" altLang="en-US" dirty="0" smtClean="0"/>
-              <a:t> 영역</a:t>
-            </a:r>
-            <a:r>
-              <a:rPr lang="en-US" altLang="ko-KR" dirty="0" smtClean="0"/>
-              <a:t>2] </a:t>
-            </a:r>
-            <a:r>
-              <a:rPr lang="ko-KR" altLang="en-US" dirty="0" smtClean="0"/>
-              <a:t>보다 큰 경우</a:t>
-            </a:r>
-            <a:endParaRPr lang="en-US" altLang="ko-KR" dirty="0" smtClean="0"/>
-          </a:p>
-          <a:p>
-            <a:r>
-              <a:rPr lang="en-US" altLang="ko-KR" dirty="0" smtClean="0"/>
-              <a:t>CASE 2</a:t>
-            </a:r>
-          </a:p>
-          <a:p>
-            <a:r>
-              <a:rPr lang="en-US" altLang="ko-KR" dirty="0" smtClean="0"/>
-              <a:t>	[</a:t>
-            </a:r>
-            <a:r>
-              <a:rPr lang="ko-KR" altLang="en-US" dirty="0" err="1" smtClean="0"/>
-              <a:t>레지스트</a:t>
-            </a:r>
-            <a:r>
-              <a:rPr lang="ko-KR" altLang="en-US" dirty="0" smtClean="0"/>
-              <a:t> 영역</a:t>
-            </a:r>
-            <a:r>
-              <a:rPr lang="en-US" altLang="ko-KR" dirty="0" smtClean="0"/>
-              <a:t>] </a:t>
-            </a:r>
-            <a:r>
-              <a:rPr lang="ko-KR" altLang="en-US" dirty="0" smtClean="0"/>
-              <a:t>이 </a:t>
-            </a:r>
-            <a:r>
-              <a:rPr lang="en-US" altLang="ko-KR" dirty="0" smtClean="0"/>
-              <a:t>[</a:t>
-            </a:r>
-            <a:r>
-              <a:rPr lang="ko-KR" altLang="en-US" dirty="0" err="1" smtClean="0"/>
-              <a:t>레지스트</a:t>
-            </a:r>
-            <a:r>
-              <a:rPr lang="ko-KR" altLang="en-US" dirty="0" smtClean="0"/>
-              <a:t> 영역</a:t>
-            </a:r>
-            <a:r>
-              <a:rPr lang="en-US" altLang="ko-KR" dirty="0" smtClean="0"/>
-              <a:t>2] </a:t>
-            </a:r>
-            <a:r>
-              <a:rPr lang="ko-KR" altLang="en-US" dirty="0" smtClean="0"/>
-              <a:t>와 같은 경우</a:t>
-            </a:r>
-            <a:endParaRPr lang="en-US" altLang="ko-KR" dirty="0" smtClean="0"/>
-          </a:p>
-          <a:p>
-            <a:r>
-              <a:rPr lang="en-US" altLang="ko-KR" dirty="0" smtClean="0"/>
-              <a:t>CASE 3</a:t>
-            </a:r>
-          </a:p>
-          <a:p>
-            <a:r>
-              <a:rPr lang="en-US" altLang="ko-KR" dirty="0" smtClean="0"/>
-              <a:t>	[</a:t>
-            </a:r>
-            <a:r>
-              <a:rPr lang="ko-KR" altLang="en-US" dirty="0" err="1" smtClean="0"/>
-              <a:t>레지스트</a:t>
-            </a:r>
-            <a:r>
-              <a:rPr lang="ko-KR" altLang="en-US" dirty="0" smtClean="0"/>
-              <a:t> 영역</a:t>
-            </a:r>
-            <a:r>
-              <a:rPr lang="en-US" altLang="ko-KR" dirty="0" smtClean="0"/>
-              <a:t>] </a:t>
-            </a:r>
-            <a:r>
-              <a:rPr lang="ko-KR" altLang="en-US" dirty="0" smtClean="0"/>
-              <a:t>이 </a:t>
-            </a:r>
-            <a:r>
-              <a:rPr lang="en-US" altLang="ko-KR" dirty="0" smtClean="0"/>
-              <a:t>[</a:t>
-            </a:r>
-            <a:r>
-              <a:rPr lang="ko-KR" altLang="en-US" dirty="0" err="1" smtClean="0"/>
-              <a:t>레지스트</a:t>
-            </a:r>
-            <a:r>
-              <a:rPr lang="ko-KR" altLang="en-US" dirty="0" smtClean="0"/>
-              <a:t> 영역</a:t>
-            </a:r>
-            <a:r>
-              <a:rPr lang="en-US" altLang="ko-KR" dirty="0" smtClean="0"/>
-              <a:t>2] </a:t>
-            </a:r>
-            <a:r>
-              <a:rPr lang="ko-KR" altLang="en-US" dirty="0" smtClean="0"/>
-              <a:t>보다 작은 경우</a:t>
-            </a:r>
-            <a:endParaRPr lang="en-US" altLang="ko-KR" dirty="0" smtClean="0"/>
-          </a:p>
-        </p:txBody>
-      </p:sp>
-      <p:pic>
-        <p:nvPicPr>
-          <p:cNvPr id="3" name="그림 2"/>
-          <p:cNvPicPr>
-            <a:picLocks noChangeAspect="1"/>
-          </p:cNvPicPr>
-          <p:nvPr/>
-        </p:nvPicPr>
-        <p:blipFill>
-          <a:blip r:embed="rId2"/>
-          <a:stretch>
-            <a:fillRect/>
-          </a:stretch>
-        </p:blipFill>
-        <p:spPr>
-          <a:xfrm>
-            <a:off x="177598" y="191712"/>
-            <a:ext cx="3943350" cy="1628775"/>
-          </a:xfrm>
-          <a:prstGeom prst="rect">
-            <a:avLst/>
-          </a:prstGeom>
-        </p:spPr>
-      </p:pic>
-    </p:spTree>
-    <p:extLst>
-      <p:ext uri="{BB962C8B-B14F-4D97-AF65-F5344CB8AC3E}">
-        <p14:creationId xmlns:p14="http://schemas.microsoft.com/office/powerpoint/2010/main" val="2314700393"/>
       </p:ext>
     </p:extLst>
   </p:cSld>

--- a/Nori_tool_address/Nori_tool_flowchart/Addr_속성정보 변환.pptx
+++ b/Nori_tool_address/Nori_tool_flowchart/Addr_속성정보 변환.pptx
@@ -8,6 +8,8 @@
     <p:sldId id="256" r:id="rId2"/>
     <p:sldId id="257" r:id="rId3"/>
     <p:sldId id="258" r:id="rId4"/>
+    <p:sldId id="259" r:id="rId5"/>
+    <p:sldId id="260" r:id="rId6"/>
   </p:sldIdLst>
   <p:sldSz cx="12192000" cy="6858000"/>
   <p:notesSz cx="6858000" cy="9144000"/>
@@ -2979,8 +2981,8 @@
         </p:nvSpPr>
         <p:spPr>
           <a:xfrm>
-            <a:off x="1148079" y="2233814"/>
-            <a:ext cx="10094174" cy="1200329"/>
+            <a:off x="1979352" y="2599574"/>
+            <a:ext cx="8443658" cy="1015663"/>
           </a:xfrm>
           <a:prstGeom prst="rect">
             <a:avLst/>
@@ -2994,14 +2996,14 @@
           <a:lstStyle/>
           <a:p>
             <a:r>
-              <a:rPr lang="en-US" altLang="ko-KR" sz="7200" dirty="0" smtClean="0"/>
+              <a:rPr lang="en-US" altLang="ko-KR" sz="6000" dirty="0" smtClean="0"/>
               <a:t>Address_</a:t>
             </a:r>
             <a:r>
-              <a:rPr lang="ko-KR" altLang="en-US" sz="7200" dirty="0" smtClean="0"/>
+              <a:rPr lang="ko-KR" altLang="en-US" sz="6000" dirty="0" smtClean="0"/>
               <a:t>속성 정보 변환</a:t>
             </a:r>
-            <a:endParaRPr lang="ko-KR" altLang="en-US" sz="7200" dirty="0"/>
+            <a:endParaRPr lang="ko-KR" altLang="en-US" sz="6000" dirty="0"/>
           </a:p>
         </p:txBody>
       </p:sp>
@@ -3050,8 +3052,8 @@
         </p:nvSpPr>
         <p:spPr>
           <a:xfrm>
-            <a:off x="382386" y="448887"/>
-            <a:ext cx="5530938" cy="1877437"/>
+            <a:off x="282631" y="714894"/>
+            <a:ext cx="11662757" cy="1631216"/>
           </a:xfrm>
           <a:prstGeom prst="rect">
             <a:avLst/>
@@ -3059,108 +3061,135 @@
           <a:noFill/>
         </p:spPr>
         <p:txBody>
-          <a:bodyPr wrap="none" rtlCol="0">
+          <a:bodyPr wrap="square" rtlCol="0">
             <a:spAutoFit/>
           </a:bodyPr>
           <a:lstStyle/>
           <a:p>
             <a:r>
-              <a:rPr lang="en-US" altLang="ko-KR" sz="4400" dirty="0" smtClean="0"/>
-              <a:t>01.</a:t>
-            </a:r>
-            <a:r>
-              <a:rPr lang="ko-KR" altLang="en-US" sz="4400" dirty="0" smtClean="0"/>
-              <a:t>목적</a:t>
-            </a:r>
-            <a:endParaRPr lang="en-US" altLang="ko-KR" sz="4400" dirty="0" smtClean="0"/>
-          </a:p>
-          <a:p>
-            <a:endParaRPr lang="en-US" altLang="ko-KR" dirty="0" smtClean="0"/>
-          </a:p>
-          <a:p>
-            <a:r>
-              <a:rPr lang="en-US" altLang="ko-KR" dirty="0" smtClean="0"/>
+              <a:rPr lang="en-US" altLang="ko-KR" sz="2000" dirty="0" smtClean="0"/>
               <a:t>1.0 </a:t>
             </a:r>
             <a:r>
-              <a:rPr lang="ko-KR" altLang="en-US" dirty="0" smtClean="0"/>
+              <a:rPr lang="ko-KR" altLang="en-US" sz="2000" dirty="0" smtClean="0"/>
               <a:t>원본 </a:t>
             </a:r>
             <a:r>
-              <a:rPr lang="en-US" altLang="ko-KR" dirty="0" smtClean="0"/>
+              <a:rPr lang="en-US" altLang="ko-KR" sz="2000" dirty="0" smtClean="0"/>
               <a:t>.csv </a:t>
             </a:r>
             <a:r>
-              <a:rPr lang="ko-KR" altLang="en-US" dirty="0" smtClean="0"/>
+              <a:rPr lang="ko-KR" altLang="en-US" sz="2000" dirty="0" smtClean="0"/>
               <a:t>파일과 </a:t>
             </a:r>
             <a:r>
-              <a:rPr lang="ko-KR" altLang="en-US" dirty="0" err="1" smtClean="0"/>
+              <a:rPr lang="ko-KR" altLang="en-US" sz="2000" dirty="0" err="1" smtClean="0"/>
               <a:t>기준정보</a:t>
             </a:r>
             <a:r>
-              <a:rPr lang="ko-KR" altLang="en-US" dirty="0" smtClean="0"/>
+              <a:rPr lang="ko-KR" altLang="en-US" sz="2000" dirty="0" smtClean="0"/>
               <a:t> </a:t>
             </a:r>
             <a:r>
-              <a:rPr lang="en-US" altLang="ko-KR" dirty="0" smtClean="0"/>
-              <a:t>.</a:t>
-            </a:r>
-            <a:r>
-              <a:rPr lang="en-US" altLang="ko-KR" dirty="0" smtClean="0"/>
-              <a:t>txt </a:t>
-            </a:r>
-            <a:r>
-              <a:rPr lang="ko-KR" altLang="en-US" dirty="0" smtClean="0"/>
+              <a:rPr lang="en-US" altLang="ko-KR" sz="2000" dirty="0" smtClean="0"/>
+              <a:t>.txt </a:t>
+            </a:r>
+            <a:r>
+              <a:rPr lang="ko-KR" altLang="en-US" sz="2000" dirty="0" smtClean="0"/>
               <a:t>파일을 이용해서 </a:t>
             </a:r>
-            <a:endParaRPr lang="en-US" altLang="ko-KR" dirty="0" smtClean="0"/>
-          </a:p>
-          <a:p>
-            <a:r>
-              <a:rPr lang="en-US" altLang="ko-KR" dirty="0" smtClean="0"/>
+            <a:r>
+              <a:rPr lang="en-US" altLang="ko-KR" sz="2000" dirty="0" smtClean="0"/>
               <a:t>PLC_AREA</a:t>
             </a:r>
             <a:r>
-              <a:rPr lang="en-US" altLang="ko-KR" dirty="0" smtClean="0"/>
-              <a:t>/ FULL_ADDRESS</a:t>
-            </a:r>
-            <a:r>
-              <a:rPr lang="en-US" altLang="ko-KR" dirty="0" smtClean="0"/>
+              <a:rPr lang="en-US" altLang="ko-KR" sz="2000" dirty="0" smtClean="0"/>
+              <a:t>/ </a:t>
+            </a:r>
+            <a:r>
+              <a:rPr lang="en-US" altLang="ko-KR" sz="2000" dirty="0" smtClean="0"/>
+              <a:t>FULL_ADDRESS </a:t>
+            </a:r>
+            <a:r>
+              <a:rPr lang="ko-KR" altLang="en-US" sz="2000" dirty="0" smtClean="0"/>
+              <a:t>을 생성</a:t>
+            </a:r>
+            <a:endParaRPr lang="en-US" altLang="ko-KR" sz="2000" dirty="0" smtClean="0"/>
+          </a:p>
+          <a:p>
+            <a:r>
+              <a:rPr lang="en-US" altLang="ko-KR" sz="2000" dirty="0" smtClean="0"/>
+              <a:t>Case 1. </a:t>
+            </a:r>
+            <a:r>
+              <a:rPr lang="ko-KR" altLang="en-US" sz="2000" dirty="0" smtClean="0"/>
+              <a:t>생성된 </a:t>
+            </a:r>
+            <a:r>
+              <a:rPr lang="en-US" altLang="ko-KR" sz="2000" dirty="0" smtClean="0"/>
+              <a:t>Data </a:t>
+            </a:r>
+            <a:r>
+              <a:rPr lang="ko-KR" altLang="en-US" sz="2000" dirty="0" smtClean="0"/>
+              <a:t>의 경우</a:t>
+            </a:r>
+            <a:endParaRPr lang="en-US" altLang="ko-KR" sz="2000" dirty="0" smtClean="0"/>
+          </a:p>
+          <a:p>
+            <a:r>
+              <a:rPr lang="en-US" altLang="ko-KR" sz="2000" dirty="0"/>
+              <a:t>	</a:t>
+            </a:r>
+            <a:r>
+              <a:rPr lang="ko-KR" altLang="en-US" sz="2000" dirty="0" smtClean="0"/>
+              <a:t>오라클</a:t>
+            </a:r>
+            <a:r>
+              <a:rPr lang="ko-KR" altLang="en-US" sz="2000" dirty="0" smtClean="0"/>
               <a:t> </a:t>
             </a:r>
             <a:r>
-              <a:rPr lang="ko-KR" altLang="en-US" dirty="0" smtClean="0"/>
-              <a:t>을 생성</a:t>
-            </a:r>
-            <a:endParaRPr lang="en-US" altLang="ko-KR" dirty="0" smtClean="0"/>
-          </a:p>
-          <a:p>
-            <a:r>
-              <a:rPr lang="ko-KR" altLang="en-US" dirty="0" smtClean="0"/>
-              <a:t>생성된 </a:t>
-            </a:r>
-            <a:r>
-              <a:rPr lang="en-US" altLang="ko-KR" dirty="0" smtClean="0"/>
-              <a:t>Data </a:t>
-            </a:r>
-            <a:r>
-              <a:rPr lang="ko-KR" altLang="en-US" dirty="0" smtClean="0"/>
-              <a:t>를 </a:t>
-            </a:r>
-            <a:r>
-              <a:rPr lang="en-US" altLang="ko-KR" dirty="0" smtClean="0"/>
+              <a:rPr lang="en-US" altLang="ko-KR" sz="2000" dirty="0" smtClean="0"/>
               <a:t>DB</a:t>
             </a:r>
             <a:r>
-              <a:rPr lang="ko-KR" altLang="en-US" dirty="0" smtClean="0"/>
+              <a:rPr lang="ko-KR" altLang="en-US" sz="2000" dirty="0" smtClean="0"/>
               <a:t>에 </a:t>
             </a:r>
             <a:r>
-              <a:rPr lang="en-US" altLang="ko-KR" dirty="0" smtClean="0"/>
+              <a:rPr lang="en-US" altLang="ko-KR" sz="2000" dirty="0" smtClean="0"/>
               <a:t>Insert</a:t>
             </a:r>
-            <a:endParaRPr lang="en-US" altLang="ko-KR" dirty="0" smtClean="0"/>
+          </a:p>
+          <a:p>
+            <a:r>
+              <a:rPr lang="en-US" altLang="ko-KR" sz="2000" dirty="0" smtClean="0"/>
+              <a:t>Case 2. </a:t>
+            </a:r>
+            <a:r>
+              <a:rPr lang="ko-KR" altLang="en-US" sz="2000" dirty="0" smtClean="0"/>
+              <a:t>생성되지 않은 </a:t>
+            </a:r>
+            <a:r>
+              <a:rPr lang="en-US" altLang="ko-KR" sz="2000" dirty="0" smtClean="0"/>
+              <a:t>Data</a:t>
+            </a:r>
+            <a:r>
+              <a:rPr lang="ko-KR" altLang="en-US" sz="2000" dirty="0" smtClean="0"/>
+              <a:t>의 경우</a:t>
+            </a:r>
+            <a:endParaRPr lang="en-US" altLang="ko-KR" sz="2000" dirty="0" smtClean="0"/>
+          </a:p>
+          <a:p>
+            <a:r>
+              <a:rPr lang="en-US" altLang="ko-KR" sz="2000" dirty="0"/>
+              <a:t>	</a:t>
+            </a:r>
+            <a:r>
+              <a:rPr lang="ko-KR" altLang="en-US" sz="2000" dirty="0" smtClean="0"/>
+              <a:t>사유 파악</a:t>
+            </a:r>
+            <a:endParaRPr lang="en-US" altLang="ko-KR" sz="2000" dirty="0" smtClean="0"/>
           </a:p>
         </p:txBody>
       </p:sp>
@@ -3203,14 +3232,959 @@
       </p:grpSpPr>
       <p:sp>
         <p:nvSpPr>
-          <p:cNvPr id="3" name="TextBox 2"/>
+          <p:cNvPr id="4" name="모서리가 둥근 직사각형 3"/>
+          <p:cNvSpPr/>
+          <p:nvPr/>
+        </p:nvSpPr>
+        <p:spPr>
+          <a:xfrm>
+            <a:off x="554408" y="290265"/>
+            <a:ext cx="1800000" cy="720000"/>
+          </a:xfrm>
+          <a:prstGeom prst="roundRect">
+            <a:avLst>
+              <a:gd name="adj" fmla="val 50000"/>
+            </a:avLst>
+          </a:prstGeom>
+        </p:spPr>
+        <p:style>
+          <a:lnRef idx="2">
+            <a:schemeClr val="accent1">
+              <a:shade val="50000"/>
+            </a:schemeClr>
+          </a:lnRef>
+          <a:fillRef idx="1">
+            <a:schemeClr val="accent1"/>
+          </a:fillRef>
+          <a:effectRef idx="0">
+            <a:schemeClr val="accent1"/>
+          </a:effectRef>
+          <a:fontRef idx="minor">
+            <a:schemeClr val="lt1"/>
+          </a:fontRef>
+        </p:style>
+        <p:txBody>
+          <a:bodyPr rtlCol="0" anchor="ctr"/>
+          <a:lstStyle/>
+          <a:p>
+            <a:pPr algn="ctr"/>
+            <a:r>
+              <a:rPr lang="ko-KR" altLang="en-US" dirty="0" smtClean="0"/>
+              <a:t>시작</a:t>
+            </a:r>
+            <a:endParaRPr lang="ko-KR" altLang="en-US" dirty="0"/>
+          </a:p>
+        </p:txBody>
+      </p:sp>
+      <p:sp>
+        <p:nvSpPr>
+          <p:cNvPr id="5" name="육각형 4"/>
+          <p:cNvSpPr/>
+          <p:nvPr/>
+        </p:nvSpPr>
+        <p:spPr>
+          <a:xfrm>
+            <a:off x="411664" y="1437537"/>
+            <a:ext cx="2160000" cy="720000"/>
+          </a:xfrm>
+          <a:prstGeom prst="hexagon">
+            <a:avLst/>
+          </a:prstGeom>
+        </p:spPr>
+        <p:style>
+          <a:lnRef idx="2">
+            <a:schemeClr val="accent1">
+              <a:shade val="50000"/>
+            </a:schemeClr>
+          </a:lnRef>
+          <a:fillRef idx="1">
+            <a:schemeClr val="accent1"/>
+          </a:fillRef>
+          <a:effectRef idx="0">
+            <a:schemeClr val="accent1"/>
+          </a:effectRef>
+          <a:fontRef idx="minor">
+            <a:schemeClr val="lt1"/>
+          </a:fontRef>
+        </p:style>
+        <p:txBody>
+          <a:bodyPr rtlCol="0" anchor="ctr"/>
+          <a:lstStyle/>
+          <a:p>
+            <a:pPr algn="ctr"/>
+            <a:r>
+              <a:rPr lang="ko-KR" altLang="en-US" sz="1400" dirty="0" smtClean="0"/>
+              <a:t>원본 </a:t>
+            </a:r>
+            <a:r>
+              <a:rPr lang="en-US" altLang="ko-KR" sz="1400" dirty="0" smtClean="0"/>
+              <a:t>.csv </a:t>
+            </a:r>
+            <a:r>
+              <a:rPr lang="ko-KR" altLang="en-US" sz="1400" dirty="0" smtClean="0"/>
+              <a:t>와 </a:t>
+            </a:r>
+            <a:endParaRPr lang="en-US" altLang="ko-KR" sz="1400" dirty="0" smtClean="0"/>
+          </a:p>
+          <a:p>
+            <a:pPr algn="ctr"/>
+            <a:r>
+              <a:rPr lang="ko-KR" altLang="en-US" sz="1400" dirty="0" err="1" smtClean="0"/>
+              <a:t>기준정보</a:t>
+            </a:r>
+            <a:r>
+              <a:rPr lang="ko-KR" altLang="en-US" sz="1400" dirty="0" smtClean="0"/>
+              <a:t> </a:t>
+            </a:r>
+            <a:r>
+              <a:rPr lang="en-US" altLang="ko-KR" sz="1400" dirty="0" smtClean="0"/>
+              <a:t>.txt </a:t>
+            </a:r>
+            <a:r>
+              <a:rPr lang="ko-KR" altLang="en-US" sz="1400" dirty="0" smtClean="0"/>
+              <a:t>준비</a:t>
+            </a:r>
+            <a:endParaRPr lang="ko-KR" altLang="en-US" sz="1400" dirty="0"/>
+          </a:p>
+        </p:txBody>
+      </p:sp>
+      <p:sp>
+        <p:nvSpPr>
+          <p:cNvPr id="6" name="다이아몬드 5"/>
+          <p:cNvSpPr/>
+          <p:nvPr/>
+        </p:nvSpPr>
+        <p:spPr>
+          <a:xfrm>
+            <a:off x="3261645" y="1257537"/>
+            <a:ext cx="3060000" cy="1080000"/>
+          </a:xfrm>
+          <a:prstGeom prst="diamond">
+            <a:avLst/>
+          </a:prstGeom>
+        </p:spPr>
+        <p:style>
+          <a:lnRef idx="2">
+            <a:schemeClr val="accent1">
+              <a:shade val="50000"/>
+            </a:schemeClr>
+          </a:lnRef>
+          <a:fillRef idx="1">
+            <a:schemeClr val="accent1"/>
+          </a:fillRef>
+          <a:effectRef idx="0">
+            <a:schemeClr val="accent1"/>
+          </a:effectRef>
+          <a:fontRef idx="minor">
+            <a:schemeClr val="lt1"/>
+          </a:fontRef>
+        </p:style>
+        <p:txBody>
+          <a:bodyPr rtlCol="0" anchor="ctr"/>
+          <a:lstStyle/>
+          <a:p>
+            <a:pPr algn="ctr"/>
+            <a:r>
+              <a:rPr lang="en-US" altLang="ko-KR" sz="1100" dirty="0" smtClean="0"/>
+              <a:t>‘</a:t>
+            </a:r>
+            <a:r>
+              <a:rPr lang="en-US" altLang="ko-KR" sz="1100" dirty="0" err="1" smtClean="0"/>
+              <a:t>Tag_group</a:t>
+            </a:r>
+            <a:r>
+              <a:rPr lang="en-US" altLang="ko-KR" sz="1100" dirty="0" smtClean="0"/>
+              <a:t>’</a:t>
+            </a:r>
+            <a:r>
+              <a:rPr lang="ko-KR" altLang="en-US" sz="1100" dirty="0" smtClean="0"/>
+              <a:t>이 </a:t>
+            </a:r>
+            <a:endParaRPr lang="en-US" altLang="ko-KR" sz="1100" dirty="0" smtClean="0"/>
+          </a:p>
+          <a:p>
+            <a:pPr algn="ctr"/>
+            <a:r>
+              <a:rPr lang="en-US" altLang="ko-KR" sz="1100" dirty="0" smtClean="0"/>
+              <a:t>‘</a:t>
+            </a:r>
+            <a:r>
+              <a:rPr lang="ko-KR" altLang="en-US" sz="1100" dirty="0" smtClean="0"/>
+              <a:t>태그 그룹</a:t>
+            </a:r>
+            <a:r>
+              <a:rPr lang="en-US" altLang="ko-KR" sz="1100" dirty="0" smtClean="0"/>
+              <a:t>‘ </a:t>
+            </a:r>
+            <a:r>
+              <a:rPr lang="ko-KR" altLang="en-US" sz="1100" dirty="0" smtClean="0"/>
+              <a:t>에 있는가</a:t>
+            </a:r>
+            <a:endParaRPr lang="en-US" altLang="ko-KR" sz="1100" dirty="0" smtClean="0"/>
+          </a:p>
+        </p:txBody>
+      </p:sp>
+      <p:sp>
+        <p:nvSpPr>
+          <p:cNvPr id="7" name="다이아몬드 6"/>
+          <p:cNvSpPr/>
+          <p:nvPr/>
+        </p:nvSpPr>
+        <p:spPr>
+          <a:xfrm>
+            <a:off x="3261645" y="2790017"/>
+            <a:ext cx="3060000" cy="1080000"/>
+          </a:xfrm>
+          <a:prstGeom prst="diamond">
+            <a:avLst/>
+          </a:prstGeom>
+        </p:spPr>
+        <p:style>
+          <a:lnRef idx="2">
+            <a:schemeClr val="accent1">
+              <a:shade val="50000"/>
+            </a:schemeClr>
+          </a:lnRef>
+          <a:fillRef idx="1">
+            <a:schemeClr val="accent1"/>
+          </a:fillRef>
+          <a:effectRef idx="0">
+            <a:schemeClr val="accent1"/>
+          </a:effectRef>
+          <a:fontRef idx="minor">
+            <a:schemeClr val="lt1"/>
+          </a:fontRef>
+        </p:style>
+        <p:txBody>
+          <a:bodyPr rtlCol="0" anchor="ctr"/>
+          <a:lstStyle/>
+          <a:p>
+            <a:pPr algn="ctr"/>
+            <a:r>
+              <a:rPr lang="en-US" altLang="ko-KR" sz="1100" dirty="0" smtClean="0"/>
+              <a:t>‘</a:t>
+            </a:r>
+            <a:r>
+              <a:rPr lang="en-US" altLang="ko-KR" sz="1100" dirty="0" err="1" smtClean="0"/>
+              <a:t>scan_buffer</a:t>
+            </a:r>
+            <a:r>
+              <a:rPr lang="en-US" altLang="ko-KR" sz="1100" dirty="0" smtClean="0"/>
+              <a:t>’ </a:t>
+            </a:r>
+            <a:r>
+              <a:rPr lang="ko-KR" altLang="en-US" sz="1100" dirty="0" smtClean="0"/>
+              <a:t>가 </a:t>
+            </a:r>
+            <a:endParaRPr lang="en-US" altLang="ko-KR" sz="1100" dirty="0" smtClean="0"/>
+          </a:p>
+          <a:p>
+            <a:pPr algn="ctr"/>
+            <a:r>
+              <a:rPr lang="en-US" altLang="ko-KR" sz="1100" dirty="0" smtClean="0"/>
+              <a:t>‘</a:t>
+            </a:r>
+            <a:r>
+              <a:rPr lang="ko-KR" altLang="en-US" sz="1100" dirty="0" err="1" smtClean="0"/>
+              <a:t>레지스트</a:t>
+            </a:r>
+            <a:r>
+              <a:rPr lang="ko-KR" altLang="en-US" sz="1100" dirty="0" smtClean="0"/>
+              <a:t> 영역</a:t>
+            </a:r>
+            <a:r>
+              <a:rPr lang="en-US" altLang="ko-KR" sz="1100" dirty="0" smtClean="0"/>
+              <a:t>‘ </a:t>
+            </a:r>
+            <a:r>
+              <a:rPr lang="ko-KR" altLang="en-US" sz="1100" dirty="0" smtClean="0"/>
+              <a:t>과 </a:t>
+            </a:r>
+            <a:r>
+              <a:rPr lang="en-US" altLang="ko-KR" sz="1100" dirty="0" smtClean="0"/>
+              <a:t>‘</a:t>
+            </a:r>
+            <a:r>
+              <a:rPr lang="ko-KR" altLang="en-US" sz="1100" dirty="0" err="1" smtClean="0"/>
+              <a:t>레지스트</a:t>
+            </a:r>
+            <a:r>
+              <a:rPr lang="ko-KR" altLang="en-US" sz="1100" dirty="0" smtClean="0"/>
+              <a:t> 영역</a:t>
+            </a:r>
+            <a:r>
+              <a:rPr lang="en-US" altLang="ko-KR" sz="1100" dirty="0" smtClean="0"/>
+              <a:t>2’ </a:t>
+            </a:r>
+          </a:p>
+          <a:p>
+            <a:pPr algn="ctr"/>
+            <a:r>
+              <a:rPr lang="ko-KR" altLang="en-US" sz="1100" dirty="0" smtClean="0"/>
+              <a:t>범위에 들어오는가</a:t>
+            </a:r>
+            <a:endParaRPr lang="en-US" altLang="ko-KR" sz="1100" dirty="0" smtClean="0"/>
+          </a:p>
+        </p:txBody>
+      </p:sp>
+      <p:sp>
+        <p:nvSpPr>
+          <p:cNvPr id="8" name="다이아몬드 7"/>
+          <p:cNvSpPr/>
+          <p:nvPr/>
+        </p:nvSpPr>
+        <p:spPr>
+          <a:xfrm>
+            <a:off x="3261645" y="4322497"/>
+            <a:ext cx="3060000" cy="1080000"/>
+          </a:xfrm>
+          <a:prstGeom prst="diamond">
+            <a:avLst/>
+          </a:prstGeom>
+        </p:spPr>
+        <p:style>
+          <a:lnRef idx="2">
+            <a:schemeClr val="accent1">
+              <a:shade val="50000"/>
+            </a:schemeClr>
+          </a:lnRef>
+          <a:fillRef idx="1">
+            <a:schemeClr val="accent1"/>
+          </a:fillRef>
+          <a:effectRef idx="0">
+            <a:schemeClr val="accent1"/>
+          </a:effectRef>
+          <a:fontRef idx="minor">
+            <a:schemeClr val="lt1"/>
+          </a:fontRef>
+        </p:style>
+        <p:txBody>
+          <a:bodyPr rtlCol="0" anchor="ctr"/>
+          <a:lstStyle/>
+          <a:p>
+            <a:pPr algn="ctr"/>
+            <a:r>
+              <a:rPr lang="en-US" altLang="ko-KR" sz="1100" dirty="0" smtClean="0"/>
+              <a:t>‘</a:t>
+            </a:r>
+            <a:r>
+              <a:rPr lang="ko-KR" altLang="en-US" sz="1100" dirty="0" err="1" smtClean="0"/>
+              <a:t>레지스트</a:t>
+            </a:r>
+            <a:r>
+              <a:rPr lang="ko-KR" altLang="en-US" sz="1100" dirty="0" smtClean="0"/>
+              <a:t> 영역</a:t>
+            </a:r>
+            <a:r>
+              <a:rPr lang="en-US" altLang="ko-KR" sz="1100" dirty="0" smtClean="0"/>
+              <a:t>’</a:t>
+            </a:r>
+            <a:r>
+              <a:rPr lang="ko-KR" altLang="en-US" sz="1100" dirty="0" smtClean="0"/>
+              <a:t>이 </a:t>
+            </a:r>
+            <a:endParaRPr lang="en-US" altLang="ko-KR" sz="1100" dirty="0" smtClean="0"/>
+          </a:p>
+          <a:p>
+            <a:pPr algn="ctr"/>
+            <a:r>
+              <a:rPr lang="ko-KR" altLang="en-US" sz="1100" dirty="0" smtClean="0"/>
+              <a:t>주석 영역인가</a:t>
+            </a:r>
+            <a:endParaRPr lang="en-US" altLang="ko-KR" sz="1100" dirty="0" smtClean="0"/>
+          </a:p>
+        </p:txBody>
+      </p:sp>
+      <p:sp>
+        <p:nvSpPr>
+          <p:cNvPr id="10" name="직사각형 9"/>
+          <p:cNvSpPr/>
+          <p:nvPr/>
+        </p:nvSpPr>
+        <p:spPr>
+          <a:xfrm>
+            <a:off x="6741626" y="5935813"/>
+            <a:ext cx="2340000" cy="720000"/>
+          </a:xfrm>
+          <a:prstGeom prst="rect">
+            <a:avLst/>
+          </a:prstGeom>
+        </p:spPr>
+        <p:style>
+          <a:lnRef idx="2">
+            <a:schemeClr val="accent1">
+              <a:shade val="50000"/>
+            </a:schemeClr>
+          </a:lnRef>
+          <a:fillRef idx="1">
+            <a:schemeClr val="accent1"/>
+          </a:fillRef>
+          <a:effectRef idx="0">
+            <a:schemeClr val="accent1"/>
+          </a:effectRef>
+          <a:fontRef idx="minor">
+            <a:schemeClr val="lt1"/>
+          </a:fontRef>
+        </p:style>
+        <p:txBody>
+          <a:bodyPr rtlCol="0" anchor="ctr"/>
+          <a:lstStyle/>
+          <a:p>
+            <a:pPr algn="ctr"/>
+            <a:r>
+              <a:rPr lang="en-US" altLang="ko-KR" sz="1600" dirty="0" smtClean="0"/>
+              <a:t>‘AD_FLAG’ = ‘OK’,</a:t>
+            </a:r>
+          </a:p>
+          <a:p>
+            <a:pPr algn="ctr"/>
+            <a:r>
+              <a:rPr lang="en-US" altLang="ko-KR" sz="1600" dirty="0" smtClean="0"/>
+              <a:t>‘PLC_AREA’ </a:t>
+            </a:r>
+            <a:r>
+              <a:rPr lang="ko-KR" altLang="en-US" sz="1600" dirty="0" smtClean="0"/>
+              <a:t>생성</a:t>
+            </a:r>
+            <a:endParaRPr lang="ko-KR" altLang="en-US" sz="1600" dirty="0"/>
+          </a:p>
+        </p:txBody>
+      </p:sp>
+      <p:sp>
+        <p:nvSpPr>
+          <p:cNvPr id="15" name="직사각형 14"/>
+          <p:cNvSpPr/>
+          <p:nvPr/>
+        </p:nvSpPr>
+        <p:spPr>
+          <a:xfrm>
+            <a:off x="7011626" y="1437537"/>
+            <a:ext cx="1800000" cy="720000"/>
+          </a:xfrm>
+          <a:prstGeom prst="rect">
+            <a:avLst/>
+          </a:prstGeom>
+        </p:spPr>
+        <p:style>
+          <a:lnRef idx="2">
+            <a:schemeClr val="accent1">
+              <a:shade val="50000"/>
+            </a:schemeClr>
+          </a:lnRef>
+          <a:fillRef idx="1">
+            <a:schemeClr val="accent1"/>
+          </a:fillRef>
+          <a:effectRef idx="0">
+            <a:schemeClr val="accent1"/>
+          </a:effectRef>
+          <a:fontRef idx="minor">
+            <a:schemeClr val="lt1"/>
+          </a:fontRef>
+        </p:style>
+        <p:txBody>
+          <a:bodyPr rtlCol="0" anchor="ctr"/>
+          <a:lstStyle/>
+          <a:p>
+            <a:pPr algn="ctr"/>
+            <a:r>
+              <a:rPr lang="en-US" altLang="ko-KR" sz="1200" dirty="0" smtClean="0"/>
+              <a:t>‘AD_FLAG’ = ‘NO_TAG_GROUP’</a:t>
+            </a:r>
+          </a:p>
+        </p:txBody>
+      </p:sp>
+      <p:sp>
+        <p:nvSpPr>
+          <p:cNvPr id="16" name="직사각형 15"/>
+          <p:cNvSpPr/>
+          <p:nvPr/>
+        </p:nvSpPr>
+        <p:spPr>
+          <a:xfrm>
+            <a:off x="7011626" y="2970017"/>
+            <a:ext cx="1800000" cy="720000"/>
+          </a:xfrm>
+          <a:prstGeom prst="rect">
+            <a:avLst/>
+          </a:prstGeom>
+        </p:spPr>
+        <p:style>
+          <a:lnRef idx="2">
+            <a:schemeClr val="accent1">
+              <a:shade val="50000"/>
+            </a:schemeClr>
+          </a:lnRef>
+          <a:fillRef idx="1">
+            <a:schemeClr val="accent1"/>
+          </a:fillRef>
+          <a:effectRef idx="0">
+            <a:schemeClr val="accent1"/>
+          </a:effectRef>
+          <a:fontRef idx="minor">
+            <a:schemeClr val="lt1"/>
+          </a:fontRef>
+        </p:style>
+        <p:txBody>
+          <a:bodyPr rtlCol="0" anchor="ctr"/>
+          <a:lstStyle/>
+          <a:p>
+            <a:pPr algn="ctr"/>
+            <a:r>
+              <a:rPr lang="en-US" altLang="ko-KR" sz="1200" dirty="0" smtClean="0"/>
+              <a:t>‘AD_FLAG’ = ‘ERROR_SCAN_NO’</a:t>
+            </a:r>
+          </a:p>
+        </p:txBody>
+      </p:sp>
+      <p:sp>
+        <p:nvSpPr>
+          <p:cNvPr id="17" name="직사각형 16"/>
+          <p:cNvSpPr/>
+          <p:nvPr/>
+        </p:nvSpPr>
+        <p:spPr>
+          <a:xfrm>
+            <a:off x="7011626" y="4502497"/>
+            <a:ext cx="1800000" cy="720000"/>
+          </a:xfrm>
+          <a:prstGeom prst="rect">
+            <a:avLst/>
+          </a:prstGeom>
+        </p:spPr>
+        <p:style>
+          <a:lnRef idx="2">
+            <a:schemeClr val="accent1">
+              <a:shade val="50000"/>
+            </a:schemeClr>
+          </a:lnRef>
+          <a:fillRef idx="1">
+            <a:schemeClr val="accent1"/>
+          </a:fillRef>
+          <a:effectRef idx="0">
+            <a:schemeClr val="accent1"/>
+          </a:effectRef>
+          <a:fontRef idx="minor">
+            <a:schemeClr val="lt1"/>
+          </a:fontRef>
+        </p:style>
+        <p:txBody>
+          <a:bodyPr rtlCol="0" anchor="ctr"/>
+          <a:lstStyle/>
+          <a:p>
+            <a:pPr algn="ctr"/>
+            <a:r>
+              <a:rPr lang="en-US" altLang="ko-KR" sz="1200" dirty="0" smtClean="0"/>
+              <a:t>‘AD_FLAG’ = ‘ERROR_OFFSET’</a:t>
+            </a:r>
+          </a:p>
+        </p:txBody>
+      </p:sp>
+      <p:sp>
+        <p:nvSpPr>
+          <p:cNvPr id="21" name="정오각형 20"/>
+          <p:cNvSpPr/>
+          <p:nvPr/>
+        </p:nvSpPr>
+        <p:spPr>
+          <a:xfrm rot="10800000">
+            <a:off x="10656288" y="5849154"/>
+            <a:ext cx="750639" cy="720000"/>
+          </a:xfrm>
+          <a:prstGeom prst="pentagon">
+            <a:avLst/>
+          </a:prstGeom>
+          <a:solidFill>
+            <a:schemeClr val="accent6">
+              <a:lumMod val="60000"/>
+              <a:lumOff val="40000"/>
+            </a:schemeClr>
+          </a:solidFill>
+        </p:spPr>
+        <p:style>
+          <a:lnRef idx="2">
+            <a:schemeClr val="accent1">
+              <a:shade val="50000"/>
+            </a:schemeClr>
+          </a:lnRef>
+          <a:fillRef idx="1">
+            <a:schemeClr val="accent1"/>
+          </a:fillRef>
+          <a:effectRef idx="0">
+            <a:schemeClr val="accent1"/>
+          </a:effectRef>
+          <a:fontRef idx="minor">
+            <a:schemeClr val="lt1"/>
+          </a:fontRef>
+        </p:style>
+        <p:txBody>
+          <a:bodyPr rtlCol="0" anchor="ctr"/>
+          <a:lstStyle/>
+          <a:p>
+            <a:pPr algn="ctr"/>
+            <a:endParaRPr lang="ko-KR" altLang="en-US"/>
+          </a:p>
+        </p:txBody>
+      </p:sp>
+      <p:cxnSp>
+        <p:nvCxnSpPr>
+          <p:cNvPr id="30" name="직선 화살표 연결선 29"/>
+          <p:cNvCxnSpPr>
+            <a:stCxn id="5" idx="0"/>
+            <a:endCxn id="6" idx="1"/>
+          </p:cNvCxnSpPr>
+          <p:nvPr/>
+        </p:nvCxnSpPr>
+        <p:spPr>
+          <a:xfrm>
+            <a:off x="2571664" y="1797537"/>
+            <a:ext cx="689981" cy="0"/>
+          </a:xfrm>
+          <a:prstGeom prst="straightConnector1">
+            <a:avLst/>
+          </a:prstGeom>
+          <a:ln w="25400">
+            <a:solidFill>
+              <a:schemeClr val="tx1"/>
+            </a:solidFill>
+            <a:tailEnd type="triangle"/>
+          </a:ln>
+        </p:spPr>
+        <p:style>
+          <a:lnRef idx="1">
+            <a:schemeClr val="accent1"/>
+          </a:lnRef>
+          <a:fillRef idx="0">
+            <a:schemeClr val="accent1"/>
+          </a:fillRef>
+          <a:effectRef idx="0">
+            <a:schemeClr val="accent1"/>
+          </a:effectRef>
+          <a:fontRef idx="minor">
+            <a:schemeClr val="tx1"/>
+          </a:fontRef>
+        </p:style>
+      </p:cxnSp>
+      <p:cxnSp>
+        <p:nvCxnSpPr>
+          <p:cNvPr id="32" name="직선 화살표 연결선 31"/>
+          <p:cNvCxnSpPr>
+            <a:stCxn id="4" idx="2"/>
+          </p:cNvCxnSpPr>
+          <p:nvPr/>
+        </p:nvCxnSpPr>
+        <p:spPr>
+          <a:xfrm>
+            <a:off x="1454408" y="1010265"/>
+            <a:ext cx="0" cy="427272"/>
+          </a:xfrm>
+          <a:prstGeom prst="straightConnector1">
+            <a:avLst/>
+          </a:prstGeom>
+          <a:ln w="25400">
+            <a:solidFill>
+              <a:schemeClr val="tx1"/>
+            </a:solidFill>
+            <a:tailEnd type="triangle"/>
+          </a:ln>
+        </p:spPr>
+        <p:style>
+          <a:lnRef idx="1">
+            <a:schemeClr val="accent1"/>
+          </a:lnRef>
+          <a:fillRef idx="0">
+            <a:schemeClr val="accent1"/>
+          </a:fillRef>
+          <a:effectRef idx="0">
+            <a:schemeClr val="accent1"/>
+          </a:effectRef>
+          <a:fontRef idx="minor">
+            <a:schemeClr val="tx1"/>
+          </a:fontRef>
+        </p:style>
+      </p:cxnSp>
+      <p:cxnSp>
+        <p:nvCxnSpPr>
+          <p:cNvPr id="34" name="직선 화살표 연결선 33"/>
+          <p:cNvCxnSpPr>
+            <a:stCxn id="6" idx="2"/>
+            <a:endCxn id="7" idx="0"/>
+          </p:cNvCxnSpPr>
+          <p:nvPr/>
+        </p:nvCxnSpPr>
+        <p:spPr>
+          <a:xfrm>
+            <a:off x="4791645" y="2337537"/>
+            <a:ext cx="0" cy="452480"/>
+          </a:xfrm>
+          <a:prstGeom prst="straightConnector1">
+            <a:avLst/>
+          </a:prstGeom>
+          <a:ln w="25400">
+            <a:solidFill>
+              <a:schemeClr val="tx1"/>
+            </a:solidFill>
+            <a:tailEnd type="triangle"/>
+          </a:ln>
+        </p:spPr>
+        <p:style>
+          <a:lnRef idx="1">
+            <a:schemeClr val="accent1"/>
+          </a:lnRef>
+          <a:fillRef idx="0">
+            <a:schemeClr val="accent1"/>
+          </a:fillRef>
+          <a:effectRef idx="0">
+            <a:schemeClr val="accent1"/>
+          </a:effectRef>
+          <a:fontRef idx="minor">
+            <a:schemeClr val="tx1"/>
+          </a:fontRef>
+        </p:style>
+      </p:cxnSp>
+      <p:cxnSp>
+        <p:nvCxnSpPr>
+          <p:cNvPr id="36" name="직선 화살표 연결선 35"/>
+          <p:cNvCxnSpPr>
+            <a:stCxn id="7" idx="2"/>
+            <a:endCxn id="8" idx="0"/>
+          </p:cNvCxnSpPr>
+          <p:nvPr/>
+        </p:nvCxnSpPr>
+        <p:spPr>
+          <a:xfrm>
+            <a:off x="4791645" y="3870017"/>
+            <a:ext cx="0" cy="452480"/>
+          </a:xfrm>
+          <a:prstGeom prst="straightConnector1">
+            <a:avLst/>
+          </a:prstGeom>
+          <a:ln w="25400">
+            <a:solidFill>
+              <a:schemeClr val="tx1"/>
+            </a:solidFill>
+            <a:tailEnd type="triangle"/>
+          </a:ln>
+        </p:spPr>
+        <p:style>
+          <a:lnRef idx="1">
+            <a:schemeClr val="accent1"/>
+          </a:lnRef>
+          <a:fillRef idx="0">
+            <a:schemeClr val="accent1"/>
+          </a:fillRef>
+          <a:effectRef idx="0">
+            <a:schemeClr val="accent1"/>
+          </a:effectRef>
+          <a:fontRef idx="minor">
+            <a:schemeClr val="tx1"/>
+          </a:fontRef>
+        </p:style>
+      </p:cxnSp>
+      <p:cxnSp>
+        <p:nvCxnSpPr>
+          <p:cNvPr id="40" name="직선 화살표 연결선 39"/>
+          <p:cNvCxnSpPr>
+            <a:stCxn id="6" idx="3"/>
+            <a:endCxn id="15" idx="1"/>
+          </p:cNvCxnSpPr>
+          <p:nvPr/>
+        </p:nvCxnSpPr>
+        <p:spPr>
+          <a:xfrm>
+            <a:off x="6321645" y="1797537"/>
+            <a:ext cx="689981" cy="0"/>
+          </a:xfrm>
+          <a:prstGeom prst="straightConnector1">
+            <a:avLst/>
+          </a:prstGeom>
+          <a:ln w="25400">
+            <a:solidFill>
+              <a:schemeClr val="tx1"/>
+            </a:solidFill>
+            <a:tailEnd type="triangle"/>
+          </a:ln>
+        </p:spPr>
+        <p:style>
+          <a:lnRef idx="1">
+            <a:schemeClr val="accent1"/>
+          </a:lnRef>
+          <a:fillRef idx="0">
+            <a:schemeClr val="accent1"/>
+          </a:fillRef>
+          <a:effectRef idx="0">
+            <a:schemeClr val="accent1"/>
+          </a:effectRef>
+          <a:fontRef idx="minor">
+            <a:schemeClr val="tx1"/>
+          </a:fontRef>
+        </p:style>
+      </p:cxnSp>
+      <p:cxnSp>
+        <p:nvCxnSpPr>
+          <p:cNvPr id="42" name="직선 화살표 연결선 41"/>
+          <p:cNvCxnSpPr>
+            <a:stCxn id="7" idx="3"/>
+            <a:endCxn id="16" idx="1"/>
+          </p:cNvCxnSpPr>
+          <p:nvPr/>
+        </p:nvCxnSpPr>
+        <p:spPr>
+          <a:xfrm>
+            <a:off x="6321645" y="3330017"/>
+            <a:ext cx="689981" cy="0"/>
+          </a:xfrm>
+          <a:prstGeom prst="straightConnector1">
+            <a:avLst/>
+          </a:prstGeom>
+          <a:ln w="25400">
+            <a:solidFill>
+              <a:schemeClr val="tx1"/>
+            </a:solidFill>
+            <a:tailEnd type="triangle"/>
+          </a:ln>
+        </p:spPr>
+        <p:style>
+          <a:lnRef idx="1">
+            <a:schemeClr val="accent1"/>
+          </a:lnRef>
+          <a:fillRef idx="0">
+            <a:schemeClr val="accent1"/>
+          </a:fillRef>
+          <a:effectRef idx="0">
+            <a:schemeClr val="accent1"/>
+          </a:effectRef>
+          <a:fontRef idx="minor">
+            <a:schemeClr val="tx1"/>
+          </a:fontRef>
+        </p:style>
+      </p:cxnSp>
+      <p:cxnSp>
+        <p:nvCxnSpPr>
+          <p:cNvPr id="45" name="직선 화살표 연결선 44"/>
+          <p:cNvCxnSpPr>
+            <a:stCxn id="8" idx="3"/>
+            <a:endCxn id="17" idx="1"/>
+          </p:cNvCxnSpPr>
+          <p:nvPr/>
+        </p:nvCxnSpPr>
+        <p:spPr>
+          <a:xfrm>
+            <a:off x="6321645" y="4862497"/>
+            <a:ext cx="689981" cy="0"/>
+          </a:xfrm>
+          <a:prstGeom prst="straightConnector1">
+            <a:avLst/>
+          </a:prstGeom>
+          <a:ln w="25400">
+            <a:solidFill>
+              <a:schemeClr val="tx1"/>
+            </a:solidFill>
+            <a:tailEnd type="triangle"/>
+          </a:ln>
+        </p:spPr>
+        <p:style>
+          <a:lnRef idx="1">
+            <a:schemeClr val="accent1"/>
+          </a:lnRef>
+          <a:fillRef idx="0">
+            <a:schemeClr val="accent1"/>
+          </a:fillRef>
+          <a:effectRef idx="0">
+            <a:schemeClr val="accent1"/>
+          </a:effectRef>
+          <a:fontRef idx="minor">
+            <a:schemeClr val="tx1"/>
+          </a:fontRef>
+        </p:style>
+      </p:cxnSp>
+      <p:cxnSp>
+        <p:nvCxnSpPr>
+          <p:cNvPr id="47" name="꺾인 연결선 46"/>
+          <p:cNvCxnSpPr>
+            <a:stCxn id="8" idx="2"/>
+            <a:endCxn id="10" idx="1"/>
+          </p:cNvCxnSpPr>
+          <p:nvPr/>
+        </p:nvCxnSpPr>
+        <p:spPr>
+          <a:xfrm rot="16200000" flipH="1">
+            <a:off x="5319977" y="4874164"/>
+            <a:ext cx="893316" cy="1949981"/>
+          </a:xfrm>
+          <a:prstGeom prst="bentConnector2">
+            <a:avLst/>
+          </a:prstGeom>
+          <a:ln w="25400">
+            <a:solidFill>
+              <a:schemeClr val="tx1"/>
+            </a:solidFill>
+            <a:tailEnd type="triangle"/>
+          </a:ln>
+        </p:spPr>
+        <p:style>
+          <a:lnRef idx="1">
+            <a:schemeClr val="accent1"/>
+          </a:lnRef>
+          <a:fillRef idx="0">
+            <a:schemeClr val="accent1"/>
+          </a:fillRef>
+          <a:effectRef idx="0">
+            <a:schemeClr val="accent1"/>
+          </a:effectRef>
+          <a:fontRef idx="minor">
+            <a:schemeClr val="tx1"/>
+          </a:fontRef>
+        </p:style>
+      </p:cxnSp>
+      <p:cxnSp>
+        <p:nvCxnSpPr>
+          <p:cNvPr id="49" name="직선 화살표 연결선 48"/>
+          <p:cNvCxnSpPr>
+            <a:stCxn id="10" idx="3"/>
+            <a:endCxn id="21" idx="5"/>
+          </p:cNvCxnSpPr>
+          <p:nvPr/>
+        </p:nvCxnSpPr>
+        <p:spPr>
+          <a:xfrm flipV="1">
+            <a:off x="9081626" y="6294139"/>
+            <a:ext cx="1574663" cy="1674"/>
+          </a:xfrm>
+          <a:prstGeom prst="straightConnector1">
+            <a:avLst/>
+          </a:prstGeom>
+          <a:ln w="25400">
+            <a:solidFill>
+              <a:schemeClr val="tx1"/>
+            </a:solidFill>
+            <a:tailEnd type="triangle"/>
+          </a:ln>
+        </p:spPr>
+        <p:style>
+          <a:lnRef idx="1">
+            <a:schemeClr val="accent1"/>
+          </a:lnRef>
+          <a:fillRef idx="0">
+            <a:schemeClr val="accent1"/>
+          </a:fillRef>
+          <a:effectRef idx="0">
+            <a:schemeClr val="accent1"/>
+          </a:effectRef>
+          <a:fontRef idx="minor">
+            <a:schemeClr val="tx1"/>
+          </a:fontRef>
+        </p:style>
+      </p:cxnSp>
+      <p:sp>
+        <p:nvSpPr>
+          <p:cNvPr id="51" name="TextBox 50"/>
           <p:cNvSpPr txBox="1"/>
           <p:nvPr/>
         </p:nvSpPr>
         <p:spPr>
           <a:xfrm>
-            <a:off x="382386" y="448887"/>
-            <a:ext cx="1420582" cy="769441"/>
+            <a:off x="4791644" y="2337536"/>
+            <a:ext cx="305366" cy="400110"/>
           </a:xfrm>
           <a:prstGeom prst="rect">
             <a:avLst/>
@@ -3218,20 +4192,166 @@
           <a:noFill/>
         </p:spPr>
         <p:txBody>
-          <a:bodyPr wrap="none" rtlCol="0">
+          <a:bodyPr wrap="square" rtlCol="0">
             <a:spAutoFit/>
           </a:bodyPr>
           <a:lstStyle/>
           <a:p>
             <a:r>
-              <a:rPr lang="en-US" altLang="ko-KR" sz="4400" dirty="0" err="1" smtClean="0"/>
-              <a:t>Ing</a:t>
-            </a:r>
-            <a:r>
-              <a:rPr lang="en-US" altLang="ko-KR" sz="4400" dirty="0" smtClean="0"/>
-              <a:t>…</a:t>
-            </a:r>
-            <a:endParaRPr lang="en-US" altLang="ko-KR" dirty="0" smtClean="0"/>
+              <a:rPr lang="en-US" altLang="ko-KR" sz="2000" dirty="0" smtClean="0"/>
+              <a:t>Y</a:t>
+            </a:r>
+            <a:endParaRPr lang="en-US" altLang="ko-KR" sz="2000" dirty="0" smtClean="0"/>
+          </a:p>
+        </p:txBody>
+      </p:sp>
+      <p:sp>
+        <p:nvSpPr>
+          <p:cNvPr id="52" name="TextBox 51"/>
+          <p:cNvSpPr txBox="1"/>
+          <p:nvPr/>
+        </p:nvSpPr>
+        <p:spPr>
+          <a:xfrm>
+            <a:off x="4791644" y="3896202"/>
+            <a:ext cx="305366" cy="400110"/>
+          </a:xfrm>
+          <a:prstGeom prst="rect">
+            <a:avLst/>
+          </a:prstGeom>
+          <a:noFill/>
+        </p:spPr>
+        <p:txBody>
+          <a:bodyPr wrap="square" rtlCol="0">
+            <a:spAutoFit/>
+          </a:bodyPr>
+          <a:lstStyle/>
+          <a:p>
+            <a:r>
+              <a:rPr lang="en-US" altLang="ko-KR" sz="2000" dirty="0" smtClean="0"/>
+              <a:t>Y</a:t>
+            </a:r>
+            <a:endParaRPr lang="en-US" altLang="ko-KR" sz="2000" dirty="0" smtClean="0"/>
+          </a:p>
+        </p:txBody>
+      </p:sp>
+      <p:sp>
+        <p:nvSpPr>
+          <p:cNvPr id="53" name="TextBox 52"/>
+          <p:cNvSpPr txBox="1"/>
+          <p:nvPr/>
+        </p:nvSpPr>
+        <p:spPr>
+          <a:xfrm>
+            <a:off x="4791643" y="5542385"/>
+            <a:ext cx="305366" cy="400110"/>
+          </a:xfrm>
+          <a:prstGeom prst="rect">
+            <a:avLst/>
+          </a:prstGeom>
+          <a:noFill/>
+        </p:spPr>
+        <p:txBody>
+          <a:bodyPr wrap="square" rtlCol="0">
+            <a:spAutoFit/>
+          </a:bodyPr>
+          <a:lstStyle/>
+          <a:p>
+            <a:r>
+              <a:rPr lang="en-US" altLang="ko-KR" sz="2000" dirty="0" smtClean="0"/>
+              <a:t>N</a:t>
+            </a:r>
+            <a:endParaRPr lang="en-US" altLang="ko-KR" sz="2000" dirty="0" smtClean="0"/>
+          </a:p>
+        </p:txBody>
+      </p:sp>
+      <p:sp>
+        <p:nvSpPr>
+          <p:cNvPr id="54" name="TextBox 53"/>
+          <p:cNvSpPr txBox="1"/>
+          <p:nvPr/>
+        </p:nvSpPr>
+        <p:spPr>
+          <a:xfrm>
+            <a:off x="6500215" y="1397427"/>
+            <a:ext cx="305366" cy="400110"/>
+          </a:xfrm>
+          <a:prstGeom prst="rect">
+            <a:avLst/>
+          </a:prstGeom>
+          <a:noFill/>
+        </p:spPr>
+        <p:txBody>
+          <a:bodyPr wrap="square" rtlCol="0">
+            <a:spAutoFit/>
+          </a:bodyPr>
+          <a:lstStyle/>
+          <a:p>
+            <a:r>
+              <a:rPr lang="en-US" altLang="ko-KR" sz="2000" dirty="0"/>
+              <a:t>N</a:t>
+            </a:r>
+            <a:endParaRPr lang="en-US" altLang="ko-KR" sz="2000" dirty="0" smtClean="0"/>
+          </a:p>
+        </p:txBody>
+      </p:sp>
+      <p:sp>
+        <p:nvSpPr>
+          <p:cNvPr id="55" name="TextBox 54"/>
+          <p:cNvSpPr txBox="1"/>
+          <p:nvPr/>
+        </p:nvSpPr>
+        <p:spPr>
+          <a:xfrm>
+            <a:off x="6500215" y="2917304"/>
+            <a:ext cx="305366" cy="400110"/>
+          </a:xfrm>
+          <a:prstGeom prst="rect">
+            <a:avLst/>
+          </a:prstGeom>
+          <a:noFill/>
+        </p:spPr>
+        <p:txBody>
+          <a:bodyPr wrap="square" rtlCol="0">
+            <a:spAutoFit/>
+          </a:bodyPr>
+          <a:lstStyle/>
+          <a:p>
+            <a:r>
+              <a:rPr lang="en-US" altLang="ko-KR" sz="2000" dirty="0"/>
+              <a:t>N</a:t>
+            </a:r>
+            <a:endParaRPr lang="en-US" altLang="ko-KR" sz="2000" dirty="0" smtClean="0"/>
+          </a:p>
+        </p:txBody>
+      </p:sp>
+      <p:sp>
+        <p:nvSpPr>
+          <p:cNvPr id="56" name="TextBox 55"/>
+          <p:cNvSpPr txBox="1"/>
+          <p:nvPr/>
+        </p:nvSpPr>
+        <p:spPr>
+          <a:xfrm>
+            <a:off x="6514470" y="4437180"/>
+            <a:ext cx="305366" cy="400110"/>
+          </a:xfrm>
+          <a:prstGeom prst="rect">
+            <a:avLst/>
+          </a:prstGeom>
+          <a:noFill/>
+        </p:spPr>
+        <p:txBody>
+          <a:bodyPr wrap="square" rtlCol="0">
+            <a:spAutoFit/>
+          </a:bodyPr>
+          <a:lstStyle/>
+          <a:p>
+            <a:r>
+              <a:rPr lang="en-US" altLang="ko-KR" sz="2000" dirty="0" smtClean="0"/>
+              <a:t>Y</a:t>
+            </a:r>
+            <a:endParaRPr lang="en-US" altLang="ko-KR" sz="2000" dirty="0" smtClean="0"/>
           </a:p>
         </p:txBody>
       </p:sp>
@@ -3245,6 +4365,1631 @@
   <p:clrMapOvr>
     <a:masterClrMapping/>
   </p:clrMapOvr>
+</p:sld>
+</file>
+
+<file path=ppt/slides/slide4.xml><?xml version="1.0" encoding="utf-8"?>
+<p:sld xmlns:a="http://schemas.openxmlformats.org/drawingml/2006/main" xmlns:r="http://schemas.openxmlformats.org/officeDocument/2006/relationships" xmlns:p="http://schemas.openxmlformats.org/presentationml/2006/main">
+  <p:cSld>
+    <p:spTree>
+      <p:nvGrpSpPr>
+        <p:cNvPr id="1" name=""/>
+        <p:cNvGrpSpPr/>
+        <p:nvPr/>
+      </p:nvGrpSpPr>
+      <p:grpSpPr>
+        <a:xfrm>
+          <a:off x="0" y="0"/>
+          <a:ext cx="0" cy="0"/>
+          <a:chOff x="0" y="0"/>
+          <a:chExt cx="0" cy="0"/>
+        </a:xfrm>
+      </p:grpSpPr>
+      <p:sp>
+        <p:nvSpPr>
+          <p:cNvPr id="9" name="다이아몬드 8"/>
+          <p:cNvSpPr/>
+          <p:nvPr/>
+        </p:nvSpPr>
+        <p:spPr>
+          <a:xfrm>
+            <a:off x="93304" y="1094516"/>
+            <a:ext cx="2520000" cy="1080000"/>
+          </a:xfrm>
+          <a:prstGeom prst="diamond">
+            <a:avLst/>
+          </a:prstGeom>
+        </p:spPr>
+        <p:style>
+          <a:lnRef idx="2">
+            <a:schemeClr val="accent1">
+              <a:shade val="50000"/>
+            </a:schemeClr>
+          </a:lnRef>
+          <a:fillRef idx="1">
+            <a:schemeClr val="accent1"/>
+          </a:fillRef>
+          <a:effectRef idx="0">
+            <a:schemeClr val="accent1"/>
+          </a:effectRef>
+          <a:fontRef idx="minor">
+            <a:schemeClr val="lt1"/>
+          </a:fontRef>
+        </p:style>
+        <p:txBody>
+          <a:bodyPr rtlCol="0" anchor="ctr"/>
+          <a:lstStyle/>
+          <a:p>
+            <a:pPr algn="ctr"/>
+            <a:r>
+              <a:rPr lang="en-US" altLang="ko-KR" sz="1000" dirty="0" smtClean="0"/>
+              <a:t>‘</a:t>
+            </a:r>
+            <a:r>
+              <a:rPr lang="ko-KR" altLang="en-US" sz="1000" dirty="0" err="1" smtClean="0"/>
+              <a:t>레지스트</a:t>
+            </a:r>
+            <a:r>
+              <a:rPr lang="ko-KR" altLang="en-US" sz="1000" dirty="0" smtClean="0"/>
+              <a:t> 영역</a:t>
+            </a:r>
+            <a:r>
+              <a:rPr lang="en-US" altLang="ko-KR" sz="1000" dirty="0" smtClean="0"/>
+              <a:t>’  </a:t>
+            </a:r>
+          </a:p>
+          <a:p>
+            <a:pPr algn="ctr"/>
+            <a:r>
+              <a:rPr lang="en-US" altLang="ko-KR" sz="1000" dirty="0" smtClean="0"/>
+              <a:t>= </a:t>
+            </a:r>
+          </a:p>
+          <a:p>
+            <a:pPr algn="ctr"/>
+            <a:r>
+              <a:rPr lang="en-US" altLang="ko-KR" sz="1000" dirty="0" smtClean="0"/>
+              <a:t>‘</a:t>
+            </a:r>
+            <a:r>
+              <a:rPr lang="ko-KR" altLang="en-US" sz="1000" dirty="0" err="1" smtClean="0"/>
+              <a:t>레지스트</a:t>
+            </a:r>
+            <a:r>
+              <a:rPr lang="ko-KR" altLang="en-US" sz="1000" dirty="0" smtClean="0"/>
+              <a:t> 영역</a:t>
+            </a:r>
+            <a:r>
+              <a:rPr lang="en-US" altLang="ko-KR" sz="1000" dirty="0" smtClean="0"/>
+              <a:t>2＇</a:t>
+            </a:r>
+          </a:p>
+        </p:txBody>
+      </p:sp>
+      <p:sp>
+        <p:nvSpPr>
+          <p:cNvPr id="11" name="다이아몬드 10"/>
+          <p:cNvSpPr/>
+          <p:nvPr/>
+        </p:nvSpPr>
+        <p:spPr>
+          <a:xfrm>
+            <a:off x="2093650" y="2174516"/>
+            <a:ext cx="2520000" cy="1080000"/>
+          </a:xfrm>
+          <a:prstGeom prst="diamond">
+            <a:avLst/>
+          </a:prstGeom>
+        </p:spPr>
+        <p:style>
+          <a:lnRef idx="2">
+            <a:schemeClr val="accent1">
+              <a:shade val="50000"/>
+            </a:schemeClr>
+          </a:lnRef>
+          <a:fillRef idx="1">
+            <a:schemeClr val="accent1"/>
+          </a:fillRef>
+          <a:effectRef idx="0">
+            <a:schemeClr val="accent1"/>
+          </a:effectRef>
+          <a:fontRef idx="minor">
+            <a:schemeClr val="lt1"/>
+          </a:fontRef>
+        </p:style>
+        <p:txBody>
+          <a:bodyPr rtlCol="0" anchor="ctr"/>
+          <a:lstStyle/>
+          <a:p>
+            <a:pPr algn="ctr"/>
+            <a:r>
+              <a:rPr lang="en-US" altLang="ko-KR" sz="1000" dirty="0" smtClean="0"/>
+              <a:t>‘</a:t>
+            </a:r>
+            <a:r>
+              <a:rPr lang="ko-KR" altLang="en-US" sz="1000" dirty="0" err="1" smtClean="0"/>
+              <a:t>레지스트</a:t>
+            </a:r>
+            <a:r>
+              <a:rPr lang="ko-KR" altLang="en-US" sz="1000" dirty="0" smtClean="0"/>
+              <a:t> 영역</a:t>
+            </a:r>
+            <a:r>
+              <a:rPr lang="en-US" altLang="ko-KR" sz="1000" dirty="0" smtClean="0"/>
+              <a:t>’  </a:t>
+            </a:r>
+          </a:p>
+          <a:p>
+            <a:pPr algn="ctr"/>
+            <a:r>
+              <a:rPr lang="en-US" altLang="ko-KR" sz="1000" dirty="0" smtClean="0"/>
+              <a:t>&gt; </a:t>
+            </a:r>
+          </a:p>
+          <a:p>
+            <a:pPr algn="ctr"/>
+            <a:r>
+              <a:rPr lang="en-US" altLang="ko-KR" sz="1000" dirty="0" smtClean="0"/>
+              <a:t>‘</a:t>
+            </a:r>
+            <a:r>
+              <a:rPr lang="ko-KR" altLang="en-US" sz="1000" dirty="0" err="1" smtClean="0"/>
+              <a:t>레지스트</a:t>
+            </a:r>
+            <a:r>
+              <a:rPr lang="ko-KR" altLang="en-US" sz="1000" dirty="0" smtClean="0"/>
+              <a:t> 영역</a:t>
+            </a:r>
+            <a:r>
+              <a:rPr lang="en-US" altLang="ko-KR" sz="1000" dirty="0" smtClean="0"/>
+              <a:t>2＇</a:t>
+            </a:r>
+          </a:p>
+        </p:txBody>
+      </p:sp>
+      <p:sp>
+        <p:nvSpPr>
+          <p:cNvPr id="13" name="직사각형 12"/>
+          <p:cNvSpPr/>
+          <p:nvPr/>
+        </p:nvSpPr>
+        <p:spPr>
+          <a:xfrm>
+            <a:off x="2192981" y="5794358"/>
+            <a:ext cx="2340000" cy="720000"/>
+          </a:xfrm>
+          <a:prstGeom prst="rect">
+            <a:avLst/>
+          </a:prstGeom>
+        </p:spPr>
+        <p:style>
+          <a:lnRef idx="2">
+            <a:schemeClr val="accent1">
+              <a:shade val="50000"/>
+            </a:schemeClr>
+          </a:lnRef>
+          <a:fillRef idx="1">
+            <a:schemeClr val="accent1"/>
+          </a:fillRef>
+          <a:effectRef idx="0">
+            <a:schemeClr val="accent1"/>
+          </a:effectRef>
+          <a:fontRef idx="minor">
+            <a:schemeClr val="lt1"/>
+          </a:fontRef>
+        </p:style>
+        <p:txBody>
+          <a:bodyPr rtlCol="0" anchor="ctr"/>
+          <a:lstStyle/>
+          <a:p>
+            <a:pPr algn="ctr"/>
+            <a:r>
+              <a:rPr lang="en-US" altLang="ko-KR" sz="1600" dirty="0" smtClean="0"/>
+              <a:t>‘</a:t>
+            </a:r>
+            <a:r>
+              <a:rPr lang="en-US" altLang="ko-KR" sz="1600" dirty="0" err="1" smtClean="0"/>
+              <a:t>cal_scan_buffer</a:t>
+            </a:r>
+            <a:r>
+              <a:rPr lang="en-US" altLang="ko-KR" sz="1600" dirty="0" smtClean="0"/>
+              <a:t>’ </a:t>
+            </a:r>
+            <a:r>
+              <a:rPr lang="ko-KR" altLang="en-US" sz="1600" dirty="0" smtClean="0"/>
+              <a:t>생성</a:t>
+            </a:r>
+            <a:endParaRPr lang="en-US" altLang="ko-KR" sz="1600" dirty="0" smtClean="0"/>
+          </a:p>
+        </p:txBody>
+      </p:sp>
+      <p:sp>
+        <p:nvSpPr>
+          <p:cNvPr id="14" name="다이아몬드 13"/>
+          <p:cNvSpPr/>
+          <p:nvPr/>
+        </p:nvSpPr>
+        <p:spPr>
+          <a:xfrm>
+            <a:off x="8362066" y="1094516"/>
+            <a:ext cx="2520000" cy="1080000"/>
+          </a:xfrm>
+          <a:prstGeom prst="diamond">
+            <a:avLst/>
+          </a:prstGeom>
+        </p:spPr>
+        <p:style>
+          <a:lnRef idx="2">
+            <a:schemeClr val="accent1">
+              <a:shade val="50000"/>
+            </a:schemeClr>
+          </a:lnRef>
+          <a:fillRef idx="1">
+            <a:schemeClr val="accent1"/>
+          </a:fillRef>
+          <a:effectRef idx="0">
+            <a:schemeClr val="accent1"/>
+          </a:effectRef>
+          <a:fontRef idx="minor">
+            <a:schemeClr val="lt1"/>
+          </a:fontRef>
+        </p:style>
+        <p:txBody>
+          <a:bodyPr rtlCol="0" anchor="ctr"/>
+          <a:lstStyle/>
+          <a:p>
+            <a:pPr algn="ctr"/>
+            <a:r>
+              <a:rPr lang="en-US" altLang="ko-KR" sz="1100" dirty="0" smtClean="0"/>
+              <a:t>‘</a:t>
+            </a:r>
+            <a:r>
+              <a:rPr lang="ko-KR" altLang="en-US" sz="1100" dirty="0" smtClean="0"/>
+              <a:t>비트</a:t>
+            </a:r>
+            <a:r>
+              <a:rPr lang="en-US" altLang="ko-KR" sz="1100" dirty="0" smtClean="0"/>
+              <a:t>’ </a:t>
+            </a:r>
+            <a:r>
+              <a:rPr lang="ko-KR" altLang="en-US" sz="1100" dirty="0" smtClean="0"/>
+              <a:t>값 </a:t>
+            </a:r>
+            <a:r>
+              <a:rPr lang="en-US" altLang="ko-KR" sz="1100" dirty="0" smtClean="0"/>
+              <a:t>is null</a:t>
+            </a:r>
+          </a:p>
+        </p:txBody>
+      </p:sp>
+      <p:sp>
+        <p:nvSpPr>
+          <p:cNvPr id="18" name="직사각형 17"/>
+          <p:cNvSpPr/>
+          <p:nvPr/>
+        </p:nvSpPr>
+        <p:spPr>
+          <a:xfrm>
+            <a:off x="453304" y="4524437"/>
+            <a:ext cx="1800000" cy="720000"/>
+          </a:xfrm>
+          <a:prstGeom prst="rect">
+            <a:avLst/>
+          </a:prstGeom>
+        </p:spPr>
+        <p:style>
+          <a:lnRef idx="2">
+            <a:schemeClr val="accent1">
+              <a:shade val="50000"/>
+            </a:schemeClr>
+          </a:lnRef>
+          <a:fillRef idx="1">
+            <a:schemeClr val="accent1"/>
+          </a:fillRef>
+          <a:effectRef idx="0">
+            <a:schemeClr val="accent1"/>
+          </a:effectRef>
+          <a:fontRef idx="minor">
+            <a:schemeClr val="lt1"/>
+          </a:fontRef>
+        </p:style>
+        <p:txBody>
+          <a:bodyPr rtlCol="0" anchor="ctr"/>
+          <a:lstStyle/>
+          <a:p>
+            <a:pPr algn="ctr"/>
+            <a:r>
+              <a:rPr lang="en-US" altLang="ko-KR" sz="1000" dirty="0" smtClean="0"/>
+              <a:t>‘SCAN_BUFFER’ = ‘CAL_SCAN_BUFFER’</a:t>
+            </a:r>
+            <a:endParaRPr lang="ko-KR" altLang="en-US" sz="1000" dirty="0"/>
+          </a:p>
+        </p:txBody>
+      </p:sp>
+      <p:sp>
+        <p:nvSpPr>
+          <p:cNvPr id="19" name="직사각형 18"/>
+          <p:cNvSpPr/>
+          <p:nvPr/>
+        </p:nvSpPr>
+        <p:spPr>
+          <a:xfrm>
+            <a:off x="2453650" y="4524437"/>
+            <a:ext cx="1800000" cy="720000"/>
+          </a:xfrm>
+          <a:prstGeom prst="rect">
+            <a:avLst/>
+          </a:prstGeom>
+        </p:spPr>
+        <p:style>
+          <a:lnRef idx="2">
+            <a:schemeClr val="accent1">
+              <a:shade val="50000"/>
+            </a:schemeClr>
+          </a:lnRef>
+          <a:fillRef idx="1">
+            <a:schemeClr val="accent1"/>
+          </a:fillRef>
+          <a:effectRef idx="0">
+            <a:schemeClr val="accent1"/>
+          </a:effectRef>
+          <a:fontRef idx="minor">
+            <a:schemeClr val="lt1"/>
+          </a:fontRef>
+        </p:style>
+        <p:txBody>
+          <a:bodyPr rtlCol="0" anchor="ctr"/>
+          <a:lstStyle/>
+          <a:p>
+            <a:pPr algn="ctr"/>
+            <a:r>
+              <a:rPr lang="en-US" altLang="ko-KR" sz="1000" dirty="0"/>
+              <a:t>‘CAL_SCAN_BUFFER’</a:t>
+            </a:r>
+            <a:endParaRPr lang="ko-KR" altLang="en-US" sz="1000" dirty="0"/>
+          </a:p>
+          <a:p>
+            <a:pPr algn="ctr"/>
+            <a:r>
+              <a:rPr lang="en-US" altLang="ko-KR" sz="1000" dirty="0" smtClean="0"/>
+              <a:t> = ’SCAN_BUFFER’+</a:t>
+            </a:r>
+            <a:r>
+              <a:rPr lang="en-US" altLang="ko-KR" sz="1000" dirty="0"/>
+              <a:t>(‘</a:t>
+            </a:r>
+            <a:r>
+              <a:rPr lang="ko-KR" altLang="en-US" sz="1000" dirty="0" err="1"/>
+              <a:t>레지스트</a:t>
+            </a:r>
+            <a:r>
+              <a:rPr lang="ko-KR" altLang="en-US" sz="1000" dirty="0"/>
+              <a:t> 영역</a:t>
+            </a:r>
+            <a:r>
+              <a:rPr lang="en-US" altLang="ko-KR" sz="1000" dirty="0"/>
+              <a:t>’ – ‘</a:t>
+            </a:r>
+            <a:r>
+              <a:rPr lang="ko-KR" altLang="en-US" sz="1000" dirty="0" err="1"/>
+              <a:t>레지스트</a:t>
+            </a:r>
+            <a:r>
+              <a:rPr lang="ko-KR" altLang="en-US" sz="1000" dirty="0"/>
+              <a:t> 영역</a:t>
+            </a:r>
+            <a:r>
+              <a:rPr lang="en-US" altLang="ko-KR" sz="1000" dirty="0"/>
+              <a:t>2’)</a:t>
+            </a:r>
+            <a:r>
+              <a:rPr lang="en-US" altLang="ko-KR" sz="1000" dirty="0" smtClean="0"/>
+              <a:t> </a:t>
+            </a:r>
+            <a:endParaRPr lang="ko-KR" altLang="en-US" sz="1000" dirty="0"/>
+          </a:p>
+        </p:txBody>
+      </p:sp>
+      <p:sp>
+        <p:nvSpPr>
+          <p:cNvPr id="20" name="직사각형 19"/>
+          <p:cNvSpPr/>
+          <p:nvPr/>
+        </p:nvSpPr>
+        <p:spPr>
+          <a:xfrm>
+            <a:off x="4466571" y="4524437"/>
+            <a:ext cx="1800000" cy="720000"/>
+          </a:xfrm>
+          <a:prstGeom prst="rect">
+            <a:avLst/>
+          </a:prstGeom>
+        </p:spPr>
+        <p:style>
+          <a:lnRef idx="2">
+            <a:schemeClr val="accent1">
+              <a:shade val="50000"/>
+            </a:schemeClr>
+          </a:lnRef>
+          <a:fillRef idx="1">
+            <a:schemeClr val="accent1"/>
+          </a:fillRef>
+          <a:effectRef idx="0">
+            <a:schemeClr val="accent1"/>
+          </a:effectRef>
+          <a:fontRef idx="minor">
+            <a:schemeClr val="lt1"/>
+          </a:fontRef>
+        </p:style>
+        <p:txBody>
+          <a:bodyPr rtlCol="0" anchor="ctr"/>
+          <a:lstStyle/>
+          <a:p>
+            <a:pPr algn="ctr"/>
+            <a:r>
+              <a:rPr lang="en-US" altLang="ko-KR" sz="1000" dirty="0"/>
+              <a:t>‘CAL_SCAN_BUFFER’</a:t>
+            </a:r>
+            <a:endParaRPr lang="ko-KR" altLang="en-US" sz="1000" dirty="0"/>
+          </a:p>
+          <a:p>
+            <a:pPr algn="ctr"/>
+            <a:r>
+              <a:rPr lang="en-US" altLang="ko-KR" sz="1000" dirty="0" smtClean="0"/>
+              <a:t> = ‘SCAN_BUFFER’-(‘</a:t>
+            </a:r>
+            <a:r>
+              <a:rPr lang="ko-KR" altLang="en-US" sz="1000" dirty="0" err="1"/>
+              <a:t>레지스트</a:t>
+            </a:r>
+            <a:r>
+              <a:rPr lang="ko-KR" altLang="en-US" sz="1000" dirty="0"/>
+              <a:t> </a:t>
+            </a:r>
+            <a:r>
+              <a:rPr lang="ko-KR" altLang="en-US" sz="1000" dirty="0" smtClean="0"/>
+              <a:t>영역</a:t>
+            </a:r>
+            <a:r>
+              <a:rPr lang="en-US" altLang="ko-KR" sz="1000" dirty="0" smtClean="0"/>
+              <a:t>2’–‘</a:t>
+            </a:r>
+            <a:r>
+              <a:rPr lang="ko-KR" altLang="en-US" sz="1000" dirty="0" err="1"/>
+              <a:t>레지스트</a:t>
+            </a:r>
+            <a:r>
+              <a:rPr lang="ko-KR" altLang="en-US" sz="1000" dirty="0"/>
+              <a:t> </a:t>
+            </a:r>
+            <a:r>
+              <a:rPr lang="ko-KR" altLang="en-US" sz="1000" dirty="0" smtClean="0"/>
+              <a:t>영역</a:t>
+            </a:r>
+            <a:r>
+              <a:rPr lang="en-US" altLang="ko-KR" sz="1000" dirty="0" smtClean="0"/>
+              <a:t>’) </a:t>
+            </a:r>
+            <a:endParaRPr lang="ko-KR" altLang="en-US" sz="1000" dirty="0"/>
+          </a:p>
+        </p:txBody>
+      </p:sp>
+      <p:sp>
+        <p:nvSpPr>
+          <p:cNvPr id="22" name="직사각형 21"/>
+          <p:cNvSpPr/>
+          <p:nvPr/>
+        </p:nvSpPr>
+        <p:spPr>
+          <a:xfrm>
+            <a:off x="7498577" y="2894516"/>
+            <a:ext cx="1800000" cy="720000"/>
+          </a:xfrm>
+          <a:prstGeom prst="rect">
+            <a:avLst/>
+          </a:prstGeom>
+        </p:spPr>
+        <p:style>
+          <a:lnRef idx="2">
+            <a:schemeClr val="accent1">
+              <a:shade val="50000"/>
+            </a:schemeClr>
+          </a:lnRef>
+          <a:fillRef idx="1">
+            <a:schemeClr val="accent1"/>
+          </a:fillRef>
+          <a:effectRef idx="0">
+            <a:schemeClr val="accent1"/>
+          </a:effectRef>
+          <a:fontRef idx="minor">
+            <a:schemeClr val="lt1"/>
+          </a:fontRef>
+        </p:style>
+        <p:txBody>
+          <a:bodyPr rtlCol="0" anchor="ctr"/>
+          <a:lstStyle/>
+          <a:p>
+            <a:pPr algn="ctr"/>
+            <a:r>
+              <a:rPr lang="en-US" altLang="ko-KR" sz="1000" dirty="0" smtClean="0"/>
+              <a:t>‘FULL_ADDRESS’ </a:t>
+            </a:r>
+          </a:p>
+          <a:p>
+            <a:pPr algn="ctr"/>
+            <a:r>
+              <a:rPr lang="en-US" altLang="ko-KR" sz="1000" dirty="0" smtClean="0"/>
+              <a:t>(</a:t>
+            </a:r>
+            <a:r>
+              <a:rPr lang="ko-KR" altLang="en-US" sz="1000" dirty="0" smtClean="0"/>
+              <a:t>소수점 </a:t>
+            </a:r>
+            <a:r>
+              <a:rPr lang="en-US" altLang="ko-KR" sz="1000" dirty="0"/>
+              <a:t>X</a:t>
+            </a:r>
+            <a:r>
+              <a:rPr lang="en-US" altLang="ko-KR" sz="1000" dirty="0" smtClean="0"/>
+              <a:t>) </a:t>
+            </a:r>
+            <a:r>
+              <a:rPr lang="ko-KR" altLang="en-US" sz="1000" dirty="0" smtClean="0"/>
+              <a:t>생성</a:t>
+            </a:r>
+            <a:endParaRPr lang="ko-KR" altLang="en-US" sz="1000" dirty="0"/>
+          </a:p>
+        </p:txBody>
+      </p:sp>
+      <p:sp>
+        <p:nvSpPr>
+          <p:cNvPr id="23" name="직사각형 22"/>
+          <p:cNvSpPr/>
+          <p:nvPr/>
+        </p:nvSpPr>
+        <p:spPr>
+          <a:xfrm>
+            <a:off x="10235088" y="3974516"/>
+            <a:ext cx="1800000" cy="720000"/>
+          </a:xfrm>
+          <a:prstGeom prst="rect">
+            <a:avLst/>
+          </a:prstGeom>
+        </p:spPr>
+        <p:style>
+          <a:lnRef idx="2">
+            <a:schemeClr val="accent1">
+              <a:shade val="50000"/>
+            </a:schemeClr>
+          </a:lnRef>
+          <a:fillRef idx="1">
+            <a:schemeClr val="accent1"/>
+          </a:fillRef>
+          <a:effectRef idx="0">
+            <a:schemeClr val="accent1"/>
+          </a:effectRef>
+          <a:fontRef idx="minor">
+            <a:schemeClr val="lt1"/>
+          </a:fontRef>
+        </p:style>
+        <p:txBody>
+          <a:bodyPr rtlCol="0" anchor="ctr"/>
+          <a:lstStyle/>
+          <a:p>
+            <a:pPr algn="ctr"/>
+            <a:r>
+              <a:rPr lang="en-US" altLang="ko-KR" sz="1000" dirty="0" smtClean="0"/>
+              <a:t>‘FULL_ADDRESS’ </a:t>
+            </a:r>
+            <a:endParaRPr lang="en-US" altLang="ko-KR" sz="1000" dirty="0"/>
+          </a:p>
+          <a:p>
+            <a:pPr algn="ctr"/>
+            <a:r>
+              <a:rPr lang="en-US" altLang="ko-KR" sz="1000" dirty="0"/>
+              <a:t>(</a:t>
+            </a:r>
+            <a:r>
+              <a:rPr lang="ko-KR" altLang="en-US" sz="1000" dirty="0" smtClean="0"/>
+              <a:t>소수점 </a:t>
+            </a:r>
+            <a:r>
+              <a:rPr lang="en-US" altLang="ko-KR" sz="1000" dirty="0" smtClean="0"/>
+              <a:t>O) </a:t>
+            </a:r>
+            <a:r>
+              <a:rPr lang="ko-KR" altLang="en-US" sz="1000" dirty="0" smtClean="0"/>
+              <a:t>생성</a:t>
+            </a:r>
+          </a:p>
+        </p:txBody>
+      </p:sp>
+      <p:sp>
+        <p:nvSpPr>
+          <p:cNvPr id="24" name="모서리가 둥근 직사각형 23"/>
+          <p:cNvSpPr/>
+          <p:nvPr/>
+        </p:nvSpPr>
+        <p:spPr>
+          <a:xfrm>
+            <a:off x="8722066" y="5252225"/>
+            <a:ext cx="1800000" cy="720000"/>
+          </a:xfrm>
+          <a:prstGeom prst="roundRect">
+            <a:avLst>
+              <a:gd name="adj" fmla="val 50000"/>
+            </a:avLst>
+          </a:prstGeom>
+        </p:spPr>
+        <p:style>
+          <a:lnRef idx="2">
+            <a:schemeClr val="accent1">
+              <a:shade val="50000"/>
+            </a:schemeClr>
+          </a:lnRef>
+          <a:fillRef idx="1">
+            <a:schemeClr val="accent1"/>
+          </a:fillRef>
+          <a:effectRef idx="0">
+            <a:schemeClr val="accent1"/>
+          </a:effectRef>
+          <a:fontRef idx="minor">
+            <a:schemeClr val="lt1"/>
+          </a:fontRef>
+        </p:style>
+        <p:txBody>
+          <a:bodyPr rtlCol="0" anchor="ctr"/>
+          <a:lstStyle/>
+          <a:p>
+            <a:pPr algn="ctr"/>
+            <a:r>
+              <a:rPr lang="ko-KR" altLang="en-US" dirty="0"/>
+              <a:t>끝</a:t>
+            </a:r>
+          </a:p>
+        </p:txBody>
+      </p:sp>
+      <p:sp>
+        <p:nvSpPr>
+          <p:cNvPr id="25" name="정오각형 24"/>
+          <p:cNvSpPr/>
+          <p:nvPr/>
+        </p:nvSpPr>
+        <p:spPr>
+          <a:xfrm rot="10800000">
+            <a:off x="326571" y="232126"/>
+            <a:ext cx="750639" cy="720000"/>
+          </a:xfrm>
+          <a:prstGeom prst="pentagon">
+            <a:avLst/>
+          </a:prstGeom>
+          <a:solidFill>
+            <a:schemeClr val="accent6">
+              <a:lumMod val="60000"/>
+              <a:lumOff val="40000"/>
+            </a:schemeClr>
+          </a:solidFill>
+        </p:spPr>
+        <p:style>
+          <a:lnRef idx="2">
+            <a:schemeClr val="accent1">
+              <a:shade val="50000"/>
+            </a:schemeClr>
+          </a:lnRef>
+          <a:fillRef idx="1">
+            <a:schemeClr val="accent1"/>
+          </a:fillRef>
+          <a:effectRef idx="0">
+            <a:schemeClr val="accent1"/>
+          </a:effectRef>
+          <a:fontRef idx="minor">
+            <a:schemeClr val="lt1"/>
+          </a:fontRef>
+        </p:style>
+        <p:txBody>
+          <a:bodyPr rtlCol="0" anchor="ctr"/>
+          <a:lstStyle/>
+          <a:p>
+            <a:pPr algn="ctr"/>
+            <a:endParaRPr lang="ko-KR" altLang="en-US"/>
+          </a:p>
+        </p:txBody>
+      </p:sp>
+      <p:cxnSp>
+        <p:nvCxnSpPr>
+          <p:cNvPr id="3" name="꺾인 연결선 2"/>
+          <p:cNvCxnSpPr>
+            <a:stCxn id="25" idx="0"/>
+            <a:endCxn id="9" idx="0"/>
+          </p:cNvCxnSpPr>
+          <p:nvPr/>
+        </p:nvCxnSpPr>
+        <p:spPr>
+          <a:xfrm rot="16200000" flipH="1">
+            <a:off x="956402" y="697614"/>
+            <a:ext cx="142390" cy="651414"/>
+          </a:xfrm>
+          <a:prstGeom prst="bentConnector3">
+            <a:avLst/>
+          </a:prstGeom>
+          <a:ln w="25400">
+            <a:solidFill>
+              <a:schemeClr val="tx1"/>
+            </a:solidFill>
+            <a:tailEnd type="triangle"/>
+          </a:ln>
+        </p:spPr>
+        <p:style>
+          <a:lnRef idx="1">
+            <a:schemeClr val="accent1"/>
+          </a:lnRef>
+          <a:fillRef idx="0">
+            <a:schemeClr val="accent1"/>
+          </a:fillRef>
+          <a:effectRef idx="0">
+            <a:schemeClr val="accent1"/>
+          </a:effectRef>
+          <a:fontRef idx="minor">
+            <a:schemeClr val="tx1"/>
+          </a:fontRef>
+        </p:style>
+      </p:cxnSp>
+      <p:cxnSp>
+        <p:nvCxnSpPr>
+          <p:cNvPr id="27" name="꺾인 연결선 26"/>
+          <p:cNvCxnSpPr>
+            <a:stCxn id="9" idx="3"/>
+            <a:endCxn id="11" idx="0"/>
+          </p:cNvCxnSpPr>
+          <p:nvPr/>
+        </p:nvCxnSpPr>
+        <p:spPr>
+          <a:xfrm>
+            <a:off x="2613304" y="1634516"/>
+            <a:ext cx="740346" cy="540000"/>
+          </a:xfrm>
+          <a:prstGeom prst="bentConnector2">
+            <a:avLst/>
+          </a:prstGeom>
+          <a:ln w="25400">
+            <a:solidFill>
+              <a:schemeClr val="tx1"/>
+            </a:solidFill>
+            <a:tailEnd type="triangle"/>
+          </a:ln>
+        </p:spPr>
+        <p:style>
+          <a:lnRef idx="1">
+            <a:schemeClr val="accent1"/>
+          </a:lnRef>
+          <a:fillRef idx="0">
+            <a:schemeClr val="accent1"/>
+          </a:fillRef>
+          <a:effectRef idx="0">
+            <a:schemeClr val="accent1"/>
+          </a:effectRef>
+          <a:fontRef idx="minor">
+            <a:schemeClr val="tx1"/>
+          </a:fontRef>
+        </p:style>
+      </p:cxnSp>
+      <p:cxnSp>
+        <p:nvCxnSpPr>
+          <p:cNvPr id="29" name="꺾인 연결선 28"/>
+          <p:cNvCxnSpPr>
+            <a:stCxn id="11" idx="3"/>
+          </p:cNvCxnSpPr>
+          <p:nvPr/>
+        </p:nvCxnSpPr>
+        <p:spPr>
+          <a:xfrm>
+            <a:off x="4613650" y="2714516"/>
+            <a:ext cx="752921" cy="540000"/>
+          </a:xfrm>
+          <a:prstGeom prst="bentConnector2">
+            <a:avLst/>
+          </a:prstGeom>
+          <a:ln w="25400">
+            <a:solidFill>
+              <a:schemeClr val="tx1"/>
+            </a:solidFill>
+            <a:tailEnd type="triangle"/>
+          </a:ln>
+        </p:spPr>
+        <p:style>
+          <a:lnRef idx="1">
+            <a:schemeClr val="accent1"/>
+          </a:lnRef>
+          <a:fillRef idx="0">
+            <a:schemeClr val="accent1"/>
+          </a:fillRef>
+          <a:effectRef idx="0">
+            <a:schemeClr val="accent1"/>
+          </a:effectRef>
+          <a:fontRef idx="minor">
+            <a:schemeClr val="tx1"/>
+          </a:fontRef>
+        </p:style>
+      </p:cxnSp>
+      <p:cxnSp>
+        <p:nvCxnSpPr>
+          <p:cNvPr id="31" name="직선 화살표 연결선 30"/>
+          <p:cNvCxnSpPr>
+            <a:stCxn id="9" idx="2"/>
+            <a:endCxn id="18" idx="0"/>
+          </p:cNvCxnSpPr>
+          <p:nvPr/>
+        </p:nvCxnSpPr>
+        <p:spPr>
+          <a:xfrm>
+            <a:off x="1353304" y="2174516"/>
+            <a:ext cx="0" cy="2349921"/>
+          </a:xfrm>
+          <a:prstGeom prst="straightConnector1">
+            <a:avLst/>
+          </a:prstGeom>
+          <a:ln w="25400">
+            <a:solidFill>
+              <a:schemeClr val="tx1"/>
+            </a:solidFill>
+            <a:tailEnd type="triangle"/>
+          </a:ln>
+        </p:spPr>
+        <p:style>
+          <a:lnRef idx="1">
+            <a:schemeClr val="accent1"/>
+          </a:lnRef>
+          <a:fillRef idx="0">
+            <a:schemeClr val="accent1"/>
+          </a:fillRef>
+          <a:effectRef idx="0">
+            <a:schemeClr val="accent1"/>
+          </a:effectRef>
+          <a:fontRef idx="minor">
+            <a:schemeClr val="tx1"/>
+          </a:fontRef>
+        </p:style>
+      </p:cxnSp>
+      <p:cxnSp>
+        <p:nvCxnSpPr>
+          <p:cNvPr id="34" name="직선 화살표 연결선 33"/>
+          <p:cNvCxnSpPr>
+            <a:stCxn id="11" idx="2"/>
+            <a:endCxn id="19" idx="0"/>
+          </p:cNvCxnSpPr>
+          <p:nvPr/>
+        </p:nvCxnSpPr>
+        <p:spPr>
+          <a:xfrm>
+            <a:off x="3353650" y="3254516"/>
+            <a:ext cx="0" cy="1269921"/>
+          </a:xfrm>
+          <a:prstGeom prst="straightConnector1">
+            <a:avLst/>
+          </a:prstGeom>
+          <a:ln w="25400">
+            <a:solidFill>
+              <a:schemeClr val="tx1"/>
+            </a:solidFill>
+            <a:tailEnd type="triangle"/>
+          </a:ln>
+        </p:spPr>
+        <p:style>
+          <a:lnRef idx="1">
+            <a:schemeClr val="accent1"/>
+          </a:lnRef>
+          <a:fillRef idx="0">
+            <a:schemeClr val="accent1"/>
+          </a:fillRef>
+          <a:effectRef idx="0">
+            <a:schemeClr val="accent1"/>
+          </a:effectRef>
+          <a:fontRef idx="minor">
+            <a:schemeClr val="tx1"/>
+          </a:fontRef>
+        </p:style>
+      </p:cxnSp>
+      <p:cxnSp>
+        <p:nvCxnSpPr>
+          <p:cNvPr id="36" name="직선 화살표 연결선 35"/>
+          <p:cNvCxnSpPr>
+            <a:stCxn id="70" idx="2"/>
+            <a:endCxn id="20" idx="0"/>
+          </p:cNvCxnSpPr>
+          <p:nvPr/>
+        </p:nvCxnSpPr>
+        <p:spPr>
+          <a:xfrm flipH="1">
+            <a:off x="5366571" y="3974516"/>
+            <a:ext cx="2201" cy="549921"/>
+          </a:xfrm>
+          <a:prstGeom prst="straightConnector1">
+            <a:avLst/>
+          </a:prstGeom>
+          <a:ln w="25400">
+            <a:solidFill>
+              <a:schemeClr val="tx1"/>
+            </a:solidFill>
+            <a:tailEnd type="triangle"/>
+          </a:ln>
+        </p:spPr>
+        <p:style>
+          <a:lnRef idx="1">
+            <a:schemeClr val="accent1"/>
+          </a:lnRef>
+          <a:fillRef idx="0">
+            <a:schemeClr val="accent1"/>
+          </a:fillRef>
+          <a:effectRef idx="0">
+            <a:schemeClr val="accent1"/>
+          </a:effectRef>
+          <a:fontRef idx="minor">
+            <a:schemeClr val="tx1"/>
+          </a:fontRef>
+        </p:style>
+      </p:cxnSp>
+      <p:cxnSp>
+        <p:nvCxnSpPr>
+          <p:cNvPr id="38" name="직선 화살표 연결선 37"/>
+          <p:cNvCxnSpPr>
+            <a:stCxn id="18" idx="2"/>
+            <a:endCxn id="13" idx="0"/>
+          </p:cNvCxnSpPr>
+          <p:nvPr/>
+        </p:nvCxnSpPr>
+        <p:spPr>
+          <a:xfrm>
+            <a:off x="1353304" y="5244437"/>
+            <a:ext cx="2009677" cy="549921"/>
+          </a:xfrm>
+          <a:prstGeom prst="straightConnector1">
+            <a:avLst/>
+          </a:prstGeom>
+          <a:ln w="25400">
+            <a:solidFill>
+              <a:schemeClr val="tx1"/>
+            </a:solidFill>
+            <a:tailEnd type="triangle"/>
+          </a:ln>
+        </p:spPr>
+        <p:style>
+          <a:lnRef idx="1">
+            <a:schemeClr val="accent1"/>
+          </a:lnRef>
+          <a:fillRef idx="0">
+            <a:schemeClr val="accent1"/>
+          </a:fillRef>
+          <a:effectRef idx="0">
+            <a:schemeClr val="accent1"/>
+          </a:effectRef>
+          <a:fontRef idx="minor">
+            <a:schemeClr val="tx1"/>
+          </a:fontRef>
+        </p:style>
+      </p:cxnSp>
+      <p:cxnSp>
+        <p:nvCxnSpPr>
+          <p:cNvPr id="40" name="직선 화살표 연결선 39"/>
+          <p:cNvCxnSpPr>
+            <a:stCxn id="19" idx="2"/>
+            <a:endCxn id="13" idx="0"/>
+          </p:cNvCxnSpPr>
+          <p:nvPr/>
+        </p:nvCxnSpPr>
+        <p:spPr>
+          <a:xfrm>
+            <a:off x="3353650" y="5244437"/>
+            <a:ext cx="9331" cy="549921"/>
+          </a:xfrm>
+          <a:prstGeom prst="straightConnector1">
+            <a:avLst/>
+          </a:prstGeom>
+          <a:ln w="25400">
+            <a:solidFill>
+              <a:schemeClr val="tx1"/>
+            </a:solidFill>
+            <a:tailEnd type="triangle"/>
+          </a:ln>
+        </p:spPr>
+        <p:style>
+          <a:lnRef idx="1">
+            <a:schemeClr val="accent1"/>
+          </a:lnRef>
+          <a:fillRef idx="0">
+            <a:schemeClr val="accent1"/>
+          </a:fillRef>
+          <a:effectRef idx="0">
+            <a:schemeClr val="accent1"/>
+          </a:effectRef>
+          <a:fontRef idx="minor">
+            <a:schemeClr val="tx1"/>
+          </a:fontRef>
+        </p:style>
+      </p:cxnSp>
+      <p:cxnSp>
+        <p:nvCxnSpPr>
+          <p:cNvPr id="42" name="직선 화살표 연결선 41"/>
+          <p:cNvCxnSpPr>
+            <a:stCxn id="20" idx="2"/>
+            <a:endCxn id="13" idx="0"/>
+          </p:cNvCxnSpPr>
+          <p:nvPr/>
+        </p:nvCxnSpPr>
+        <p:spPr>
+          <a:xfrm flipH="1">
+            <a:off x="3362981" y="5244437"/>
+            <a:ext cx="2003590" cy="549921"/>
+          </a:xfrm>
+          <a:prstGeom prst="straightConnector1">
+            <a:avLst/>
+          </a:prstGeom>
+          <a:ln w="25400">
+            <a:solidFill>
+              <a:schemeClr val="tx1"/>
+            </a:solidFill>
+            <a:tailEnd type="triangle"/>
+          </a:ln>
+        </p:spPr>
+        <p:style>
+          <a:lnRef idx="1">
+            <a:schemeClr val="accent1"/>
+          </a:lnRef>
+          <a:fillRef idx="0">
+            <a:schemeClr val="accent1"/>
+          </a:fillRef>
+          <a:effectRef idx="0">
+            <a:schemeClr val="accent1"/>
+          </a:effectRef>
+          <a:fontRef idx="minor">
+            <a:schemeClr val="tx1"/>
+          </a:fontRef>
+        </p:style>
+      </p:cxnSp>
+      <p:cxnSp>
+        <p:nvCxnSpPr>
+          <p:cNvPr id="44" name="꺾인 연결선 43"/>
+          <p:cNvCxnSpPr>
+            <a:stCxn id="13" idx="3"/>
+            <a:endCxn id="14" idx="1"/>
+          </p:cNvCxnSpPr>
+          <p:nvPr/>
+        </p:nvCxnSpPr>
+        <p:spPr>
+          <a:xfrm flipV="1">
+            <a:off x="4532981" y="1634516"/>
+            <a:ext cx="3829085" cy="4519842"/>
+          </a:xfrm>
+          <a:prstGeom prst="bentConnector3">
+            <a:avLst>
+              <a:gd name="adj1" fmla="val 50000"/>
+            </a:avLst>
+          </a:prstGeom>
+          <a:ln w="25400">
+            <a:solidFill>
+              <a:schemeClr val="tx1"/>
+            </a:solidFill>
+            <a:tailEnd type="triangle"/>
+          </a:ln>
+        </p:spPr>
+        <p:style>
+          <a:lnRef idx="1">
+            <a:schemeClr val="accent1"/>
+          </a:lnRef>
+          <a:fillRef idx="0">
+            <a:schemeClr val="accent1"/>
+          </a:fillRef>
+          <a:effectRef idx="0">
+            <a:schemeClr val="accent1"/>
+          </a:effectRef>
+          <a:fontRef idx="minor">
+            <a:schemeClr val="tx1"/>
+          </a:fontRef>
+        </p:style>
+      </p:cxnSp>
+      <p:cxnSp>
+        <p:nvCxnSpPr>
+          <p:cNvPr id="51" name="꺾인 연결선 50"/>
+          <p:cNvCxnSpPr>
+            <a:stCxn id="14" idx="3"/>
+            <a:endCxn id="23" idx="0"/>
+          </p:cNvCxnSpPr>
+          <p:nvPr/>
+        </p:nvCxnSpPr>
+        <p:spPr>
+          <a:xfrm>
+            <a:off x="10882066" y="1634516"/>
+            <a:ext cx="253022" cy="2340000"/>
+          </a:xfrm>
+          <a:prstGeom prst="bentConnector2">
+            <a:avLst/>
+          </a:prstGeom>
+          <a:ln w="25400">
+            <a:solidFill>
+              <a:schemeClr val="tx1"/>
+            </a:solidFill>
+            <a:tailEnd type="triangle"/>
+          </a:ln>
+        </p:spPr>
+        <p:style>
+          <a:lnRef idx="1">
+            <a:schemeClr val="accent1"/>
+          </a:lnRef>
+          <a:fillRef idx="0">
+            <a:schemeClr val="accent1"/>
+          </a:fillRef>
+          <a:effectRef idx="0">
+            <a:schemeClr val="accent1"/>
+          </a:effectRef>
+          <a:fontRef idx="minor">
+            <a:schemeClr val="tx1"/>
+          </a:fontRef>
+        </p:style>
+      </p:cxnSp>
+      <p:cxnSp>
+        <p:nvCxnSpPr>
+          <p:cNvPr id="55" name="꺾인 연결선 54"/>
+          <p:cNvCxnSpPr>
+            <a:stCxn id="14" idx="2"/>
+            <a:endCxn id="22" idx="0"/>
+          </p:cNvCxnSpPr>
+          <p:nvPr/>
+        </p:nvCxnSpPr>
+        <p:spPr>
+          <a:xfrm rot="5400000">
+            <a:off x="8650322" y="1922772"/>
+            <a:ext cx="720000" cy="1223489"/>
+          </a:xfrm>
+          <a:prstGeom prst="bentConnector3">
+            <a:avLst/>
+          </a:prstGeom>
+          <a:ln w="25400">
+            <a:solidFill>
+              <a:schemeClr val="tx1"/>
+            </a:solidFill>
+            <a:tailEnd type="triangle"/>
+          </a:ln>
+        </p:spPr>
+        <p:style>
+          <a:lnRef idx="1">
+            <a:schemeClr val="accent1"/>
+          </a:lnRef>
+          <a:fillRef idx="0">
+            <a:schemeClr val="accent1"/>
+          </a:fillRef>
+          <a:effectRef idx="0">
+            <a:schemeClr val="accent1"/>
+          </a:effectRef>
+          <a:fontRef idx="minor">
+            <a:schemeClr val="tx1"/>
+          </a:fontRef>
+        </p:style>
+      </p:cxnSp>
+      <p:cxnSp>
+        <p:nvCxnSpPr>
+          <p:cNvPr id="60" name="직선 화살표 연결선 59"/>
+          <p:cNvCxnSpPr>
+            <a:stCxn id="22" idx="2"/>
+            <a:endCxn id="24" idx="0"/>
+          </p:cNvCxnSpPr>
+          <p:nvPr/>
+        </p:nvCxnSpPr>
+        <p:spPr>
+          <a:xfrm>
+            <a:off x="8398577" y="3614516"/>
+            <a:ext cx="1223489" cy="1637709"/>
+          </a:xfrm>
+          <a:prstGeom prst="straightConnector1">
+            <a:avLst/>
+          </a:prstGeom>
+          <a:ln w="25400">
+            <a:solidFill>
+              <a:schemeClr val="tx1"/>
+            </a:solidFill>
+            <a:tailEnd type="triangle"/>
+          </a:ln>
+        </p:spPr>
+        <p:style>
+          <a:lnRef idx="1">
+            <a:schemeClr val="accent1"/>
+          </a:lnRef>
+          <a:fillRef idx="0">
+            <a:schemeClr val="accent1"/>
+          </a:fillRef>
+          <a:effectRef idx="0">
+            <a:schemeClr val="accent1"/>
+          </a:effectRef>
+          <a:fontRef idx="minor">
+            <a:schemeClr val="tx1"/>
+          </a:fontRef>
+        </p:style>
+      </p:cxnSp>
+      <p:cxnSp>
+        <p:nvCxnSpPr>
+          <p:cNvPr id="62" name="직선 화살표 연결선 61"/>
+          <p:cNvCxnSpPr>
+            <a:stCxn id="23" idx="2"/>
+            <a:endCxn id="24" idx="0"/>
+          </p:cNvCxnSpPr>
+          <p:nvPr/>
+        </p:nvCxnSpPr>
+        <p:spPr>
+          <a:xfrm flipH="1">
+            <a:off x="9622066" y="4694516"/>
+            <a:ext cx="1513022" cy="557709"/>
+          </a:xfrm>
+          <a:prstGeom prst="straightConnector1">
+            <a:avLst/>
+          </a:prstGeom>
+          <a:ln w="25400">
+            <a:solidFill>
+              <a:schemeClr val="tx1"/>
+            </a:solidFill>
+            <a:tailEnd type="triangle"/>
+          </a:ln>
+        </p:spPr>
+        <p:style>
+          <a:lnRef idx="1">
+            <a:schemeClr val="accent1"/>
+          </a:lnRef>
+          <a:fillRef idx="0">
+            <a:schemeClr val="accent1"/>
+          </a:fillRef>
+          <a:effectRef idx="0">
+            <a:schemeClr val="accent1"/>
+          </a:effectRef>
+          <a:fontRef idx="minor">
+            <a:schemeClr val="tx1"/>
+          </a:fontRef>
+        </p:style>
+      </p:cxnSp>
+      <p:sp>
+        <p:nvSpPr>
+          <p:cNvPr id="63" name="TextBox 62"/>
+          <p:cNvSpPr txBox="1"/>
+          <p:nvPr/>
+        </p:nvSpPr>
+        <p:spPr>
+          <a:xfrm>
+            <a:off x="1389816" y="2174516"/>
+            <a:ext cx="305366" cy="400110"/>
+          </a:xfrm>
+          <a:prstGeom prst="rect">
+            <a:avLst/>
+          </a:prstGeom>
+          <a:noFill/>
+        </p:spPr>
+        <p:txBody>
+          <a:bodyPr wrap="square" rtlCol="0">
+            <a:spAutoFit/>
+          </a:bodyPr>
+          <a:lstStyle/>
+          <a:p>
+            <a:r>
+              <a:rPr lang="en-US" altLang="ko-KR" sz="2000" dirty="0" smtClean="0"/>
+              <a:t>Y</a:t>
+            </a:r>
+            <a:endParaRPr lang="en-US" altLang="ko-KR" sz="2000" dirty="0" smtClean="0"/>
+          </a:p>
+        </p:txBody>
+      </p:sp>
+      <p:sp>
+        <p:nvSpPr>
+          <p:cNvPr id="64" name="TextBox 63"/>
+          <p:cNvSpPr txBox="1"/>
+          <p:nvPr/>
+        </p:nvSpPr>
+        <p:spPr>
+          <a:xfrm>
+            <a:off x="3398277" y="3289311"/>
+            <a:ext cx="305366" cy="400110"/>
+          </a:xfrm>
+          <a:prstGeom prst="rect">
+            <a:avLst/>
+          </a:prstGeom>
+          <a:noFill/>
+        </p:spPr>
+        <p:txBody>
+          <a:bodyPr wrap="square" rtlCol="0">
+            <a:spAutoFit/>
+          </a:bodyPr>
+          <a:lstStyle/>
+          <a:p>
+            <a:r>
+              <a:rPr lang="en-US" altLang="ko-KR" sz="2000" dirty="0" smtClean="0"/>
+              <a:t>Y</a:t>
+            </a:r>
+            <a:endParaRPr lang="en-US" altLang="ko-KR" sz="2000" dirty="0" smtClean="0"/>
+          </a:p>
+        </p:txBody>
+      </p:sp>
+      <p:sp>
+        <p:nvSpPr>
+          <p:cNvPr id="66" name="TextBox 65"/>
+          <p:cNvSpPr txBox="1"/>
+          <p:nvPr/>
+        </p:nvSpPr>
+        <p:spPr>
+          <a:xfrm>
+            <a:off x="2711356" y="1254461"/>
+            <a:ext cx="305366" cy="400110"/>
+          </a:xfrm>
+          <a:prstGeom prst="rect">
+            <a:avLst/>
+          </a:prstGeom>
+          <a:noFill/>
+        </p:spPr>
+        <p:txBody>
+          <a:bodyPr wrap="square" rtlCol="0">
+            <a:spAutoFit/>
+          </a:bodyPr>
+          <a:lstStyle/>
+          <a:p>
+            <a:r>
+              <a:rPr lang="en-US" altLang="ko-KR" sz="2000" dirty="0" smtClean="0"/>
+              <a:t>N</a:t>
+            </a:r>
+            <a:endParaRPr lang="en-US" altLang="ko-KR" sz="2000" dirty="0" smtClean="0"/>
+          </a:p>
+        </p:txBody>
+      </p:sp>
+      <p:sp>
+        <p:nvSpPr>
+          <p:cNvPr id="67" name="TextBox 66"/>
+          <p:cNvSpPr txBox="1"/>
+          <p:nvPr/>
+        </p:nvSpPr>
+        <p:spPr>
+          <a:xfrm>
+            <a:off x="4706752" y="2304485"/>
+            <a:ext cx="305366" cy="400110"/>
+          </a:xfrm>
+          <a:prstGeom prst="rect">
+            <a:avLst/>
+          </a:prstGeom>
+          <a:noFill/>
+        </p:spPr>
+        <p:txBody>
+          <a:bodyPr wrap="square" rtlCol="0">
+            <a:spAutoFit/>
+          </a:bodyPr>
+          <a:lstStyle/>
+          <a:p>
+            <a:r>
+              <a:rPr lang="en-US" altLang="ko-KR" sz="2000" dirty="0" smtClean="0"/>
+              <a:t>N</a:t>
+            </a:r>
+            <a:endParaRPr lang="en-US" altLang="ko-KR" sz="2000" dirty="0" smtClean="0"/>
+          </a:p>
+        </p:txBody>
+      </p:sp>
+      <p:sp>
+        <p:nvSpPr>
+          <p:cNvPr id="70" name="직사각형 69"/>
+          <p:cNvSpPr/>
+          <p:nvPr/>
+        </p:nvSpPr>
+        <p:spPr>
+          <a:xfrm>
+            <a:off x="4378772" y="3254516"/>
+            <a:ext cx="1980000" cy="720000"/>
+          </a:xfrm>
+          <a:prstGeom prst="rect">
+            <a:avLst/>
+          </a:prstGeom>
+        </p:spPr>
+        <p:style>
+          <a:lnRef idx="2">
+            <a:schemeClr val="accent1">
+              <a:shade val="50000"/>
+            </a:schemeClr>
+          </a:lnRef>
+          <a:fillRef idx="1">
+            <a:schemeClr val="accent1"/>
+          </a:fillRef>
+          <a:effectRef idx="0">
+            <a:schemeClr val="accent1"/>
+          </a:effectRef>
+          <a:fontRef idx="minor">
+            <a:schemeClr val="lt1"/>
+          </a:fontRef>
+        </p:style>
+        <p:txBody>
+          <a:bodyPr rtlCol="0" anchor="ctr"/>
+          <a:lstStyle/>
+          <a:p>
+            <a:pPr algn="ctr"/>
+            <a:r>
+              <a:rPr lang="en-US" altLang="ko-KR" sz="1000" dirty="0"/>
+              <a:t>‘</a:t>
+            </a:r>
+            <a:r>
+              <a:rPr lang="ko-KR" altLang="en-US" sz="1000" dirty="0" err="1"/>
+              <a:t>레지스트</a:t>
+            </a:r>
+            <a:r>
+              <a:rPr lang="ko-KR" altLang="en-US" sz="1000" dirty="0"/>
+              <a:t> 영역</a:t>
+            </a:r>
+            <a:r>
+              <a:rPr lang="en-US" altLang="ko-KR" sz="1000" dirty="0"/>
+              <a:t>’  </a:t>
+            </a:r>
+          </a:p>
+          <a:p>
+            <a:pPr algn="ctr"/>
+            <a:r>
+              <a:rPr lang="en-US" altLang="ko-KR" sz="1000" dirty="0" smtClean="0"/>
+              <a:t>&lt; </a:t>
+            </a:r>
+            <a:endParaRPr lang="en-US" altLang="ko-KR" sz="1000" dirty="0"/>
+          </a:p>
+          <a:p>
+            <a:pPr algn="ctr"/>
+            <a:r>
+              <a:rPr lang="en-US" altLang="ko-KR" sz="1000" dirty="0"/>
+              <a:t>‘</a:t>
+            </a:r>
+            <a:r>
+              <a:rPr lang="ko-KR" altLang="en-US" sz="1000" dirty="0" err="1"/>
+              <a:t>레지스트</a:t>
+            </a:r>
+            <a:r>
+              <a:rPr lang="ko-KR" altLang="en-US" sz="1000" dirty="0"/>
+              <a:t> 영역</a:t>
+            </a:r>
+            <a:r>
+              <a:rPr lang="en-US" altLang="ko-KR" sz="1000" dirty="0"/>
+              <a:t>2＇</a:t>
+            </a:r>
+            <a:endParaRPr lang="ko-KR" altLang="en-US" sz="1000" dirty="0"/>
+          </a:p>
+        </p:txBody>
+      </p:sp>
+    </p:spTree>
+    <p:extLst>
+      <p:ext uri="{BB962C8B-B14F-4D97-AF65-F5344CB8AC3E}">
+        <p14:creationId xmlns:p14="http://schemas.microsoft.com/office/powerpoint/2010/main" val="3724499778"/>
+      </p:ext>
+    </p:extLst>
+  </p:cSld>
+  <p:clrMapOvr>
+    <a:masterClrMapping/>
+  </p:clrMapOvr>
+</p:sld>
+</file>
+
+<file path=ppt/slides/slide5.xml><?xml version="1.0" encoding="utf-8"?>
+<p:sld xmlns:a="http://schemas.openxmlformats.org/drawingml/2006/main" xmlns:r="http://schemas.openxmlformats.org/officeDocument/2006/relationships" xmlns:p="http://schemas.openxmlformats.org/presentationml/2006/main">
+  <p:cSld>
+    <p:spTree>
+      <p:nvGrpSpPr>
+        <p:cNvPr id="1" name=""/>
+        <p:cNvGrpSpPr/>
+        <p:nvPr/>
+      </p:nvGrpSpPr>
+      <p:grpSpPr>
+        <a:xfrm>
+          <a:off x="0" y="0"/>
+          <a:ext cx="0" cy="0"/>
+          <a:chOff x="0" y="0"/>
+          <a:chExt cx="0" cy="0"/>
+        </a:xfrm>
+      </p:grpSpPr>
+      <p:sp>
+        <p:nvSpPr>
+          <p:cNvPr id="5" name="TextBox 4"/>
+          <p:cNvSpPr txBox="1"/>
+          <p:nvPr/>
+        </p:nvSpPr>
+        <p:spPr>
+          <a:xfrm>
+            <a:off x="5653955" y="3322804"/>
+            <a:ext cx="5698290" cy="400110"/>
+          </a:xfrm>
+          <a:prstGeom prst="rect">
+            <a:avLst/>
+          </a:prstGeom>
+          <a:noFill/>
+        </p:spPr>
+        <p:txBody>
+          <a:bodyPr wrap="square" rtlCol="0">
+            <a:spAutoFit/>
+          </a:bodyPr>
+          <a:lstStyle/>
+          <a:p>
+            <a:r>
+              <a:rPr lang="en-US" altLang="ko-KR" sz="2000" dirty="0" smtClean="0"/>
+              <a:t>‘AD_FLAG’ = ‘OK’ </a:t>
+            </a:r>
+            <a:r>
+              <a:rPr lang="ko-KR" altLang="en-US" sz="2000" dirty="0" smtClean="0"/>
+              <a:t>인 대상 </a:t>
+            </a:r>
+            <a:r>
+              <a:rPr lang="en-US" altLang="ko-KR" sz="2000" dirty="0" smtClean="0"/>
+              <a:t>INSERT</a:t>
+            </a:r>
+            <a:endParaRPr lang="en-US" altLang="ko-KR" sz="2000" dirty="0" smtClean="0"/>
+          </a:p>
+        </p:txBody>
+      </p:sp>
+      <p:pic>
+        <p:nvPicPr>
+          <p:cNvPr id="3" name="그림 2"/>
+          <p:cNvPicPr>
+            <a:picLocks noChangeAspect="1"/>
+          </p:cNvPicPr>
+          <p:nvPr/>
+        </p:nvPicPr>
+        <p:blipFill>
+          <a:blip r:embed="rId2">
+            <a:extLst>
+              <a:ext uri="{28A0092B-C50C-407E-A947-70E740481C1C}">
+                <a14:useLocalDpi xmlns:a14="http://schemas.microsoft.com/office/drawing/2010/main" val="0"/>
+              </a:ext>
+            </a:extLst>
+          </a:blip>
+          <a:stretch>
+            <a:fillRect/>
+          </a:stretch>
+        </p:blipFill>
+        <p:spPr>
+          <a:xfrm>
+            <a:off x="204332" y="243342"/>
+            <a:ext cx="5307292" cy="4302123"/>
+          </a:xfrm>
+          <a:prstGeom prst="rect">
+            <a:avLst/>
+          </a:prstGeom>
+        </p:spPr>
+      </p:pic>
+      <p:pic>
+        <p:nvPicPr>
+          <p:cNvPr id="2" name="그림 1"/>
+          <p:cNvPicPr>
+            <a:picLocks noChangeAspect="1"/>
+          </p:cNvPicPr>
+          <p:nvPr/>
+        </p:nvPicPr>
+        <p:blipFill>
+          <a:blip r:embed="rId3">
+            <a:extLst>
+              <a:ext uri="{28A0092B-C50C-407E-A947-70E740481C1C}">
+                <a14:useLocalDpi xmlns:a14="http://schemas.microsoft.com/office/drawing/2010/main" val="0"/>
+              </a:ext>
+            </a:extLst>
+          </a:blip>
+          <a:stretch>
+            <a:fillRect/>
+          </a:stretch>
+        </p:blipFill>
+        <p:spPr>
+          <a:xfrm>
+            <a:off x="4402966" y="3722914"/>
+            <a:ext cx="7515956" cy="3135086"/>
+          </a:xfrm>
+          <a:prstGeom prst="rect">
+            <a:avLst/>
+          </a:prstGeom>
+        </p:spPr>
+      </p:pic>
+    </p:spTree>
+    <p:extLst>
+      <p:ext uri="{BB962C8B-B14F-4D97-AF65-F5344CB8AC3E}">
+        <p14:creationId xmlns:p14="http://schemas.microsoft.com/office/powerpoint/2010/main" val="467451082"/>
+      </p:ext>
+    </p:extLst>
+  </p:cSld>
+  <p:clrMapOvr>
+    <a:masterClrMapping/>
+  </p:clrMapOvr>
+  <p:timing>
+    <p:tnLst>
+      <p:par>
+        <p:cTn id="1" dur="indefinite" restart="never" nodeType="tmRoot"/>
+      </p:par>
+    </p:tnLst>
+  </p:timing>
 </p:sld>
 </file>
 

--- a/Nori_tool_address/Nori_tool_flowchart/Addr_속성정보 변환.pptx
+++ b/Nori_tool_address/Nori_tool_flowchart/Addr_속성정보 변환.pptx
@@ -3100,15 +3100,7 @@
             </a:r>
             <a:r>
               <a:rPr lang="en-US" altLang="ko-KR" sz="2000" dirty="0" smtClean="0"/>
-              <a:t>PLC_AREA</a:t>
-            </a:r>
-            <a:r>
-              <a:rPr lang="en-US" altLang="ko-KR" sz="2000" dirty="0" smtClean="0"/>
-              <a:t>/ </a:t>
-            </a:r>
-            <a:r>
-              <a:rPr lang="en-US" altLang="ko-KR" sz="2000" dirty="0" smtClean="0"/>
-              <a:t>FULL_ADDRESS </a:t>
+              <a:t>PLC_AREA/ FULL_ADDRESS </a:t>
             </a:r>
             <a:r>
               <a:rPr lang="ko-KR" altLang="en-US" sz="2000" dirty="0" smtClean="0"/>
@@ -3142,11 +3134,7 @@
             </a:r>
             <a:r>
               <a:rPr lang="ko-KR" altLang="en-US" sz="2000" dirty="0" smtClean="0"/>
-              <a:t>오라클</a:t>
-            </a:r>
-            <a:r>
-              <a:rPr lang="ko-KR" altLang="en-US" sz="2000" dirty="0" smtClean="0"/>
-              <a:t> </a:t>
+              <a:t>오라클 </a:t>
             </a:r>
             <a:r>
               <a:rPr lang="en-US" altLang="ko-KR" sz="2000" dirty="0" smtClean="0"/>
@@ -4201,7 +4189,6 @@
               <a:rPr lang="en-US" altLang="ko-KR" sz="2000" dirty="0" smtClean="0"/>
               <a:t>Y</a:t>
             </a:r>
-            <a:endParaRPr lang="en-US" altLang="ko-KR" sz="2000" dirty="0" smtClean="0"/>
           </a:p>
         </p:txBody>
       </p:sp>
@@ -4231,7 +4218,6 @@
               <a:rPr lang="en-US" altLang="ko-KR" sz="2000" dirty="0" smtClean="0"/>
               <a:t>Y</a:t>
             </a:r>
-            <a:endParaRPr lang="en-US" altLang="ko-KR" sz="2000" dirty="0" smtClean="0"/>
           </a:p>
         </p:txBody>
       </p:sp>
@@ -4261,7 +4247,6 @@
               <a:rPr lang="en-US" altLang="ko-KR" sz="2000" dirty="0" smtClean="0"/>
               <a:t>N</a:t>
             </a:r>
-            <a:endParaRPr lang="en-US" altLang="ko-KR" sz="2000" dirty="0" smtClean="0"/>
           </a:p>
         </p:txBody>
       </p:sp>
@@ -4351,7 +4336,6 @@
               <a:rPr lang="en-US" altLang="ko-KR" sz="2000" dirty="0" smtClean="0"/>
               <a:t>Y</a:t>
             </a:r>
-            <a:endParaRPr lang="en-US" altLang="ko-KR" sz="2000" dirty="0" smtClean="0"/>
           </a:p>
         </p:txBody>
       </p:sp>
@@ -5668,7 +5652,6 @@
               <a:rPr lang="en-US" altLang="ko-KR" sz="2000" dirty="0" smtClean="0"/>
               <a:t>Y</a:t>
             </a:r>
-            <a:endParaRPr lang="en-US" altLang="ko-KR" sz="2000" dirty="0" smtClean="0"/>
           </a:p>
         </p:txBody>
       </p:sp>
@@ -5698,7 +5681,6 @@
               <a:rPr lang="en-US" altLang="ko-KR" sz="2000" dirty="0" smtClean="0"/>
               <a:t>Y</a:t>
             </a:r>
-            <a:endParaRPr lang="en-US" altLang="ko-KR" sz="2000" dirty="0" smtClean="0"/>
           </a:p>
         </p:txBody>
       </p:sp>
@@ -5728,7 +5710,6 @@
               <a:rPr lang="en-US" altLang="ko-KR" sz="2000" dirty="0" smtClean="0"/>
               <a:t>N</a:t>
             </a:r>
-            <a:endParaRPr lang="en-US" altLang="ko-KR" sz="2000" dirty="0" smtClean="0"/>
           </a:p>
         </p:txBody>
       </p:sp>
@@ -5758,7 +5739,6 @@
               <a:rPr lang="en-US" altLang="ko-KR" sz="2000" dirty="0" smtClean="0"/>
               <a:t>N</a:t>
             </a:r>
-            <a:endParaRPr lang="en-US" altLang="ko-KR" sz="2000" dirty="0" smtClean="0"/>
           </a:p>
         </p:txBody>
       </p:sp>
@@ -5909,7 +5889,6 @@
               <a:rPr lang="en-US" altLang="ko-KR" sz="2000" dirty="0" smtClean="0"/>
               <a:t>INSERT</a:t>
             </a:r>
-            <a:endParaRPr lang="en-US" altLang="ko-KR" sz="2000" dirty="0" smtClean="0"/>
           </a:p>
         </p:txBody>
       </p:sp>
